--- a/Slides/PSP.pptx
+++ b/Slides/PSP.pptx
@@ -5,7 +5,7 @@
     <p:sldMasterId id="2147483648" r:id="rId1"/>
   </p:sldMasterIdLst>
   <p:notesMasterIdLst>
-    <p:notesMasterId r:id="rId38"/>
+    <p:notesMasterId r:id="rId31"/>
   </p:notesMasterIdLst>
   <p:sldIdLst>
     <p:sldId id="256" r:id="rId2"/>
@@ -29,21 +29,14 @@
     <p:sldId id="266" r:id="rId20"/>
     <p:sldId id="275" r:id="rId21"/>
     <p:sldId id="296" r:id="rId22"/>
-    <p:sldId id="284" r:id="rId23"/>
-    <p:sldId id="285" r:id="rId24"/>
-    <p:sldId id="297" r:id="rId25"/>
-    <p:sldId id="295" r:id="rId26"/>
-    <p:sldId id="282" r:id="rId27"/>
-    <p:sldId id="298" r:id="rId28"/>
-    <p:sldId id="286" r:id="rId29"/>
-    <p:sldId id="267" r:id="rId30"/>
-    <p:sldId id="287" r:id="rId31"/>
-    <p:sldId id="288" r:id="rId32"/>
-    <p:sldId id="289" r:id="rId33"/>
-    <p:sldId id="290" r:id="rId34"/>
-    <p:sldId id="291" r:id="rId35"/>
-    <p:sldId id="280" r:id="rId36"/>
-    <p:sldId id="281" r:id="rId37"/>
+    <p:sldId id="285" r:id="rId23"/>
+    <p:sldId id="297" r:id="rId24"/>
+    <p:sldId id="295" r:id="rId25"/>
+    <p:sldId id="282" r:id="rId26"/>
+    <p:sldId id="298" r:id="rId27"/>
+    <p:sldId id="286" r:id="rId28"/>
+    <p:sldId id="267" r:id="rId29"/>
+    <p:sldId id="287" r:id="rId30"/>
   </p:sldIdLst>
   <p:sldSz cx="9144000" cy="6858000" type="screen4x3"/>
   <p:notesSz cx="6858000" cy="9144000"/>
@@ -1043,7 +1036,7 @@
               <a:pPr>
                 <a:defRPr/>
               </a:pPr>
-              <a:t>20-Mar-15</a:t>
+              <a:t>26-Mar-15</a:t>
             </a:fld>
             <a:endParaRPr lang="en-US"/>
           </a:p>
@@ -1263,7 +1256,7 @@
               <a:pPr>
                 <a:defRPr/>
               </a:pPr>
-              <a:t>20-Mar-15</a:t>
+              <a:t>26-Mar-15</a:t>
             </a:fld>
             <a:endParaRPr lang="en-US"/>
           </a:p>
@@ -1493,7 +1486,7 @@
               <a:pPr>
                 <a:defRPr/>
               </a:pPr>
-              <a:t>20-Mar-15</a:t>
+              <a:t>26-Mar-15</a:t>
             </a:fld>
             <a:endParaRPr lang="en-US"/>
           </a:p>
@@ -1713,7 +1706,7 @@
               <a:pPr>
                 <a:defRPr/>
               </a:pPr>
-              <a:t>20-Mar-15</a:t>
+              <a:t>26-Mar-15</a:t>
             </a:fld>
             <a:endParaRPr lang="en-US"/>
           </a:p>
@@ -1955,7 +1948,7 @@
               <a:pPr>
                 <a:defRPr/>
               </a:pPr>
-              <a:t>20-Mar-15</a:t>
+              <a:t>26-Mar-15</a:t>
             </a:fld>
             <a:endParaRPr lang="en-US"/>
           </a:p>
@@ -2293,7 +2286,7 @@
               <a:pPr>
                 <a:defRPr/>
               </a:pPr>
-              <a:t>20-Mar-15</a:t>
+              <a:t>26-Mar-15</a:t>
             </a:fld>
             <a:endParaRPr lang="en-US"/>
           </a:p>
@@ -2770,7 +2763,7 @@
               <a:pPr>
                 <a:defRPr/>
               </a:pPr>
-              <a:t>20-Mar-15</a:t>
+              <a:t>26-Mar-15</a:t>
             </a:fld>
             <a:endParaRPr lang="en-US"/>
           </a:p>
@@ -2938,7 +2931,7 @@
               <a:pPr>
                 <a:defRPr/>
               </a:pPr>
-              <a:t>20-Mar-15</a:t>
+              <a:t>26-Mar-15</a:t>
             </a:fld>
             <a:endParaRPr lang="en-US"/>
           </a:p>
@@ -3083,7 +3076,7 @@
               <a:pPr>
                 <a:defRPr/>
               </a:pPr>
-              <a:t>20-Mar-15</a:t>
+              <a:t>26-Mar-15</a:t>
             </a:fld>
             <a:endParaRPr lang="en-US"/>
           </a:p>
@@ -3410,7 +3403,7 @@
               <a:pPr>
                 <a:defRPr/>
               </a:pPr>
-              <a:t>20-Mar-15</a:t>
+              <a:t>26-Mar-15</a:t>
             </a:fld>
             <a:endParaRPr lang="en-US"/>
           </a:p>
@@ -3714,7 +3707,7 @@
               <a:pPr>
                 <a:defRPr/>
               </a:pPr>
-              <a:t>20-Mar-15</a:t>
+              <a:t>26-Mar-15</a:t>
             </a:fld>
             <a:endParaRPr lang="en-US"/>
           </a:p>
@@ -4666,7 +4659,7 @@
             <a:fld id="{309374CF-A7C3-A64A-BD4F-6DAC5F0C8202}" type="datetime5">
               <a:rPr lang="en-GB"/>
               <a:pPr eaLnBrk="1" hangingPunct="1"/>
-              <a:t>20-Mar-15</a:t>
+              <a:t>26-Mar-15</a:t>
             </a:fld>
             <a:endParaRPr lang="en-US"/>
           </a:p>
@@ -5107,17 +5100,8 @@
               <a:rPr lang="en-US" sz="3600" dirty="0" smtClean="0">
                 <a:cs typeface="+mj-cs"/>
               </a:rPr>
-              <a:t>Auctions, second-price</a:t>
-            </a:r>
-            <a:r>
-              <a:rPr lang="en-US" sz="3600" dirty="0" smtClean="0">
-                <a:cs typeface="+mj-cs"/>
-              </a:rPr>
-              <a:t> auctions</a:t>
-            </a:r>
-            <a:endParaRPr lang="en-US" sz="3600" dirty="0" smtClean="0">
-              <a:cs typeface="+mj-cs"/>
-            </a:endParaRPr>
+              <a:t>Auctions, second-price auctions</a:t>
+            </a:r>
           </a:p>
         </p:txBody>
       </p:sp>
@@ -5159,13 +5143,18 @@
               <a:rPr lang="en-US" sz="2400" dirty="0" smtClean="0">
                 <a:cs typeface="+mn-cs"/>
               </a:rPr>
-              <a:t>A vendor has something to sell, s</a:t>
-            </a:r>
+              <a:t>Bidders are free to choose any bidding strategy</a:t>
+            </a:r>
+          </a:p>
+          <a:p>
+            <a:pPr lvl="1" eaLnBrk="1" hangingPunct="1">
+              <a:defRPr/>
+            </a:pPr>
             <a:r>
               <a:rPr lang="en-US" sz="2400" dirty="0" smtClean="0">
                 <a:cs typeface="+mn-cs"/>
               </a:rPr>
-              <a:t>everal bidders want it</a:t>
+              <a:t>They may lie, collaborate, bid their true valuations…</a:t>
             </a:r>
           </a:p>
           <a:p>
@@ -5176,7 +5165,7 @@
               <a:rPr lang="en-US" sz="2400" dirty="0" smtClean="0">
                 <a:cs typeface="+mn-cs"/>
               </a:rPr>
-              <a:t>Bidders are free to choose any bidding strategy</a:t>
+              <a:t>Auction rules decide who wins and what price they pay</a:t>
             </a:r>
           </a:p>
           <a:p>
@@ -5187,7 +5176,18 @@
               <a:rPr lang="en-US" sz="2400" dirty="0" smtClean="0">
                 <a:cs typeface="+mn-cs"/>
               </a:rPr>
-              <a:t>They may lie, collaborate, bid their true valuations…</a:t>
+              <a:t>Goal may vary (maximize profit, social welfare…), rules designed to achieve the goals</a:t>
+            </a:r>
+          </a:p>
+          <a:p>
+            <a:pPr eaLnBrk="1" hangingPunct="1">
+              <a:defRPr/>
+            </a:pPr>
+            <a:r>
+              <a:rPr lang="en-US" sz="2800" dirty="0" smtClean="0">
+                <a:cs typeface="+mn-cs"/>
+              </a:rPr>
+              <a:t>Second-price auction</a:t>
             </a:r>
           </a:p>
           <a:p>
@@ -5198,7 +5198,19 @@
               <a:rPr lang="en-US" sz="2400" dirty="0" smtClean="0">
                 <a:cs typeface="+mn-cs"/>
               </a:rPr>
-              <a:t>Auction rules decide who wins and what price they pay</a:t>
+              <a:t>Highest-bidder wins, pays 2</a:t>
+            </a:r>
+            <a:r>
+              <a:rPr lang="en-US" sz="2400" baseline="30000" dirty="0" smtClean="0">
+                <a:cs typeface="+mn-cs"/>
+              </a:rPr>
+              <a:t>nd</a:t>
+            </a:r>
+            <a:r>
+              <a:rPr lang="en-US" sz="2400" dirty="0" smtClean="0">
+                <a:cs typeface="+mn-cs"/>
+              </a:rPr>
+              <a:t>-highest bid price</a:t>
             </a:r>
           </a:p>
           <a:p>
@@ -5209,18 +5221,7 @@
               <a:rPr lang="en-US" sz="2400" dirty="0" smtClean="0">
                 <a:cs typeface="+mn-cs"/>
               </a:rPr>
-              <a:t>Goal may vary (maximize profit, social welfare…)</a:t>
-            </a:r>
-          </a:p>
-          <a:p>
-            <a:pPr eaLnBrk="1" hangingPunct="1">
-              <a:defRPr/>
-            </a:pPr>
-            <a:r>
-              <a:rPr lang="en-US" sz="2800" dirty="0" smtClean="0">
-                <a:cs typeface="+mn-cs"/>
-              </a:rPr>
-              <a:t>Second-price auction</a:t>
+              <a:t>Typically less than what they think it’s worth</a:t>
             </a:r>
           </a:p>
           <a:p>
@@ -5231,57 +5232,8 @@
               <a:rPr lang="en-US" sz="2400" dirty="0" smtClean="0">
                 <a:cs typeface="+mn-cs"/>
               </a:rPr>
-              <a:t>Highest-bidder wins, p</a:t>
-            </a:r>
-            <a:r>
-              <a:rPr lang="en-US" sz="2400" dirty="0" smtClean="0">
-                <a:cs typeface="+mn-cs"/>
-              </a:rPr>
-              <a:t>ays 2</a:t>
-            </a:r>
-            <a:r>
-              <a:rPr lang="en-US" sz="2400" baseline="30000" dirty="0" smtClean="0">
-                <a:cs typeface="+mn-cs"/>
-              </a:rPr>
-              <a:t>nd</a:t>
-            </a:r>
-            <a:r>
-              <a:rPr lang="en-US" sz="2400" dirty="0" smtClean="0">
-                <a:cs typeface="+mn-cs"/>
-              </a:rPr>
-              <a:t>-highest bid price</a:t>
-            </a:r>
-          </a:p>
-          <a:p>
-            <a:pPr lvl="1" eaLnBrk="1" hangingPunct="1">
-              <a:defRPr/>
-            </a:pPr>
-            <a:r>
-              <a:rPr lang="en-US" sz="2400" dirty="0" smtClean="0">
-                <a:cs typeface="+mn-cs"/>
-              </a:rPr>
-              <a:t>Typically less than </a:t>
-            </a:r>
-            <a:r>
-              <a:rPr lang="en-US" sz="2400" dirty="0" smtClean="0">
-                <a:cs typeface="+mn-cs"/>
-              </a:rPr>
-              <a:t>what they think it’s worth</a:t>
-            </a:r>
-          </a:p>
-          <a:p>
-            <a:pPr lvl="1" eaLnBrk="1" hangingPunct="1">
-              <a:defRPr/>
-            </a:pPr>
-            <a:r>
-              <a:rPr lang="en-US" sz="2400" dirty="0" smtClean="0">
-                <a:cs typeface="+mn-cs"/>
-              </a:rPr>
               <a:t>Standard English auction (Sotheby’s) follows this rule</a:t>
             </a:r>
-            <a:endParaRPr lang="en-US" sz="2400" dirty="0" smtClean="0">
-              <a:cs typeface="+mn-cs"/>
-            </a:endParaRPr>
           </a:p>
         </p:txBody>
       </p:sp>
@@ -5378,17 +5330,8 @@
               <a:rPr lang="en-US" sz="3600" dirty="0" smtClean="0">
                 <a:cs typeface="+mj-cs"/>
               </a:rPr>
-              <a:t>Second-price a</a:t>
-            </a:r>
-            <a:r>
-              <a:rPr lang="en-US" sz="3600" dirty="0" smtClean="0">
-                <a:cs typeface="+mj-cs"/>
-              </a:rPr>
-              <a:t>uction properties</a:t>
-            </a:r>
-            <a:endParaRPr lang="en-US" sz="3600" dirty="0" smtClean="0">
-              <a:cs typeface="+mj-cs"/>
-            </a:endParaRPr>
+              <a:t>Second-price auction properties</a:t>
+            </a:r>
           </a:p>
         </p:txBody>
       </p:sp>
@@ -5513,9 +5456,6 @@
               </a:rPr>
               <a:t>Adaptive bidding possible, needs consideration</a:t>
             </a:r>
-            <a:endParaRPr lang="en-US" sz="2400" dirty="0" smtClean="0">
-              <a:cs typeface="+mn-cs"/>
-            </a:endParaRPr>
           </a:p>
         </p:txBody>
       </p:sp>
@@ -5614,9 +5554,6 @@
               </a:rPr>
               <a:t>Progressive Second-Price auction</a:t>
             </a:r>
-            <a:endParaRPr lang="en-US" sz="3600" dirty="0" smtClean="0">
-              <a:cs typeface="+mj-cs"/>
-            </a:endParaRPr>
           </a:p>
         </p:txBody>
       </p:sp>
@@ -5728,9 +5665,6 @@
               </a:rPr>
               <a:t>-price auction</a:t>
             </a:r>
-            <a:endParaRPr lang="en-US" sz="2400" dirty="0" smtClean="0">
-              <a:cs typeface="+mn-cs"/>
-            </a:endParaRPr>
           </a:p>
         </p:txBody>
       </p:sp>
@@ -5829,9 +5763,6 @@
               </a:rPr>
               <a:t>How does it work?</a:t>
             </a:r>
-            <a:endParaRPr lang="en-US" sz="3600" dirty="0" smtClean="0">
-              <a:cs typeface="+mj-cs"/>
-            </a:endParaRPr>
           </a:p>
         </p:txBody>
       </p:sp>
@@ -7017,23 +6948,7 @@
                   <a:srgbClr val="3069A8"/>
                 </a:solidFill>
               </a:rPr>
-              <a:t>Player with highest </a:t>
-            </a:r>
-            <a:r>
-              <a:rPr lang="en-US" sz="1800" dirty="0" smtClean="0">
-                <a:solidFill>
-                  <a:srgbClr val="3069A8"/>
-                </a:solidFill>
-              </a:rPr>
-              <a:t>unit-</a:t>
-            </a:r>
-            <a:r>
-              <a:rPr lang="en-US" sz="1800" dirty="0" smtClean="0">
-                <a:solidFill>
-                  <a:srgbClr val="3069A8"/>
-                </a:solidFill>
-              </a:rPr>
-              <a:t>price has their</a:t>
+              <a:t>Player with highest unit-price has their</a:t>
             </a:r>
             <a:br>
               <a:rPr lang="en-US" sz="1800" dirty="0" smtClean="0">
@@ -7145,23 +7060,7 @@
                   <a:srgbClr val="3069A8"/>
                 </a:solidFill>
               </a:rPr>
-              <a:t> highest </a:t>
-            </a:r>
-            <a:r>
-              <a:rPr lang="en-US" sz="1800" dirty="0" smtClean="0">
-                <a:solidFill>
-                  <a:srgbClr val="3069A8"/>
-                </a:solidFill>
-              </a:rPr>
-              <a:t>unit-</a:t>
-            </a:r>
-            <a:r>
-              <a:rPr lang="en-US" sz="1800" dirty="0" smtClean="0">
-                <a:solidFill>
-                  <a:srgbClr val="3069A8"/>
-                </a:solidFill>
-              </a:rPr>
-              <a:t>price</a:t>
+              <a:t> highest unit-price</a:t>
             </a:r>
             <a:br>
               <a:rPr lang="en-US" sz="1800" dirty="0" smtClean="0">
@@ -7176,15 +7075,7 @@
                   <a:srgbClr val="3069A8"/>
                 </a:solidFill>
               </a:rPr>
-              <a:t>takes from </a:t>
-            </a:r>
-            <a:r>
-              <a:rPr lang="en-US" sz="1800" dirty="0" smtClean="0">
-                <a:solidFill>
-                  <a:srgbClr val="3069A8"/>
-                </a:solidFill>
-              </a:rPr>
-              <a:t>what’s left</a:t>
+              <a:t>takes from what’s left</a:t>
             </a:r>
           </a:p>
         </p:txBody>
@@ -7305,11 +7196,6 @@
               </a:rPr>
               <a:t>for auction</a:t>
             </a:r>
-            <a:endParaRPr lang="en-US" sz="1800" dirty="0" smtClean="0">
-              <a:solidFill>
-                <a:srgbClr val="3069A8"/>
-              </a:solidFill>
-            </a:endParaRPr>
           </a:p>
         </p:txBody>
       </p:sp>
@@ -9718,7 +9604,15 @@
                   <a:srgbClr val="3069A8"/>
                 </a:solidFill>
               </a:rPr>
-              <a:t>How much </a:t>
+              <a:t>How much does bidder </a:t>
+            </a:r>
+            <a:r>
+              <a:rPr lang="en-US" sz="1800" dirty="0" err="1" smtClean="0">
+                <a:solidFill>
+                  <a:srgbClr val="3069A8"/>
+                </a:solidFill>
+              </a:rPr>
+              <a:t>i</a:t>
             </a:r>
             <a:r>
               <a:rPr lang="en-US" sz="1800" dirty="0" smtClean="0">
@@ -9726,31 +9620,7 @@
                   <a:srgbClr val="3069A8"/>
                 </a:solidFill>
               </a:rPr>
-              <a:t>does bidder </a:t>
-            </a:r>
-            <a:r>
-              <a:rPr lang="en-US" sz="1800" dirty="0" err="1" smtClean="0">
-                <a:solidFill>
-                  <a:srgbClr val="3069A8"/>
-                </a:solidFill>
-              </a:rPr>
-              <a:t>i</a:t>
-            </a:r>
-            <a:r>
-              <a:rPr lang="en-US" sz="1800" dirty="0" smtClean="0">
-                <a:solidFill>
-                  <a:srgbClr val="3069A8"/>
-                </a:solidFill>
-              </a:rPr>
-              <a:t> </a:t>
-            </a:r>
-            <a:r>
-              <a:rPr lang="en-US" sz="1800" dirty="0" smtClean="0">
-                <a:solidFill>
-                  <a:srgbClr val="3069A8"/>
-                </a:solidFill>
-              </a:rPr>
-              <a:t>get?</a:t>
+              <a:t> get?</a:t>
             </a:r>
           </a:p>
         </p:txBody>
@@ -10900,7 +10770,15 @@
                   <a:srgbClr val="3069A8"/>
                 </a:solidFill>
               </a:rPr>
-              <a:t>How much </a:t>
+              <a:t>How much does bidder </a:t>
+            </a:r>
+            <a:r>
+              <a:rPr lang="en-US" sz="1800" dirty="0" err="1" smtClean="0">
+                <a:solidFill>
+                  <a:srgbClr val="3069A8"/>
+                </a:solidFill>
+              </a:rPr>
+              <a:t>i</a:t>
             </a:r>
             <a:r>
               <a:rPr lang="en-US" sz="1800" dirty="0" smtClean="0">
@@ -10908,39 +10786,7 @@
                   <a:srgbClr val="3069A8"/>
                 </a:solidFill>
               </a:rPr>
-              <a:t>does bidder </a:t>
-            </a:r>
-            <a:r>
-              <a:rPr lang="en-US" sz="1800" dirty="0" err="1" smtClean="0">
-                <a:solidFill>
-                  <a:srgbClr val="3069A8"/>
-                </a:solidFill>
-              </a:rPr>
-              <a:t>i</a:t>
-            </a:r>
-            <a:r>
-              <a:rPr lang="en-US" sz="1800" dirty="0" smtClean="0">
-                <a:solidFill>
-                  <a:srgbClr val="3069A8"/>
-                </a:solidFill>
-              </a:rPr>
-              <a:t> </a:t>
-            </a:r>
-            <a:r>
-              <a:rPr lang="en-US" sz="1800" dirty="0" smtClean="0">
-                <a:solidFill>
-                  <a:srgbClr val="3069A8"/>
-                </a:solidFill>
-              </a:rPr>
-              <a:t>get</a:t>
-            </a:r>
-            <a:r>
-              <a:rPr lang="en-US" sz="1800" dirty="0" smtClean="0">
-                <a:solidFill>
-                  <a:srgbClr val="3069A8"/>
-                </a:solidFill>
-              </a:rPr>
-              <a:t>?</a:t>
+              <a:t> get?</a:t>
             </a:r>
           </a:p>
         </p:txBody>
@@ -12138,7 +11984,15 @@
                   <a:srgbClr val="3069A8"/>
                 </a:solidFill>
               </a:rPr>
-              <a:t>How much </a:t>
+              <a:t>How much does bidder </a:t>
+            </a:r>
+            <a:r>
+              <a:rPr lang="en-US" sz="1800" dirty="0" err="1" smtClean="0">
+                <a:solidFill>
+                  <a:srgbClr val="3069A8"/>
+                </a:solidFill>
+              </a:rPr>
+              <a:t>i</a:t>
             </a:r>
             <a:r>
               <a:rPr lang="en-US" sz="1800" dirty="0" smtClean="0">
@@ -12146,39 +12000,7 @@
                   <a:srgbClr val="3069A8"/>
                 </a:solidFill>
               </a:rPr>
-              <a:t>does bidder </a:t>
-            </a:r>
-            <a:r>
-              <a:rPr lang="en-US" sz="1800" dirty="0" err="1" smtClean="0">
-                <a:solidFill>
-                  <a:srgbClr val="3069A8"/>
-                </a:solidFill>
-              </a:rPr>
-              <a:t>i</a:t>
-            </a:r>
-            <a:r>
-              <a:rPr lang="en-US" sz="1800" dirty="0" smtClean="0">
-                <a:solidFill>
-                  <a:srgbClr val="3069A8"/>
-                </a:solidFill>
-              </a:rPr>
-              <a:t> </a:t>
-            </a:r>
-            <a:r>
-              <a:rPr lang="en-US" sz="1800" dirty="0" smtClean="0">
-                <a:solidFill>
-                  <a:srgbClr val="3069A8"/>
-                </a:solidFill>
-              </a:rPr>
-              <a:t>get</a:t>
-            </a:r>
-            <a:r>
-              <a:rPr lang="en-US" sz="1800" dirty="0" smtClean="0">
-                <a:solidFill>
-                  <a:srgbClr val="3069A8"/>
-                </a:solidFill>
-              </a:rPr>
-              <a:t>?</a:t>
+              <a:t> get?</a:t>
             </a:r>
           </a:p>
         </p:txBody>
@@ -12259,7 +12081,15 @@
                   <a:srgbClr val="3069A8"/>
                 </a:solidFill>
               </a:rPr>
-              <a:t>How much </a:t>
+              <a:t>How much does bidder </a:t>
+            </a:r>
+            <a:r>
+              <a:rPr lang="en-US" sz="1800" dirty="0" err="1" smtClean="0">
+                <a:solidFill>
+                  <a:srgbClr val="3069A8"/>
+                </a:solidFill>
+              </a:rPr>
+              <a:t>i</a:t>
             </a:r>
             <a:r>
               <a:rPr lang="en-US" sz="1800" dirty="0" smtClean="0">
@@ -12267,39 +12097,7 @@
                   <a:srgbClr val="3069A8"/>
                 </a:solidFill>
               </a:rPr>
-              <a:t>does bidder </a:t>
-            </a:r>
-            <a:r>
-              <a:rPr lang="en-US" sz="1800" dirty="0" err="1" smtClean="0">
-                <a:solidFill>
-                  <a:srgbClr val="3069A8"/>
-                </a:solidFill>
-              </a:rPr>
-              <a:t>i</a:t>
-            </a:r>
-            <a:r>
-              <a:rPr lang="en-US" sz="1800" dirty="0" smtClean="0">
-                <a:solidFill>
-                  <a:srgbClr val="3069A8"/>
-                </a:solidFill>
-              </a:rPr>
-              <a:t> </a:t>
-            </a:r>
-            <a:r>
-              <a:rPr lang="en-US" sz="1800" dirty="0" smtClean="0">
-                <a:solidFill>
-                  <a:srgbClr val="3069A8"/>
-                </a:solidFill>
-              </a:rPr>
-              <a:t>pay</a:t>
-            </a:r>
-            <a:r>
-              <a:rPr lang="en-US" sz="1800" dirty="0" smtClean="0">
-                <a:solidFill>
-                  <a:srgbClr val="3069A8"/>
-                </a:solidFill>
-              </a:rPr>
-              <a:t>?</a:t>
+              <a:t> pay?</a:t>
             </a:r>
           </a:p>
         </p:txBody>
@@ -13571,7 +13369,15 @@
                   <a:srgbClr val="3069A8"/>
                 </a:solidFill>
               </a:rPr>
-              <a:t>How much </a:t>
+              <a:t>How much does bidder </a:t>
+            </a:r>
+            <a:r>
+              <a:rPr lang="en-US" sz="1800" dirty="0" err="1" smtClean="0">
+                <a:solidFill>
+                  <a:srgbClr val="3069A8"/>
+                </a:solidFill>
+              </a:rPr>
+              <a:t>i</a:t>
             </a:r>
             <a:r>
               <a:rPr lang="en-US" sz="1800" dirty="0" smtClean="0">
@@ -13579,39 +13385,7 @@
                   <a:srgbClr val="3069A8"/>
                 </a:solidFill>
               </a:rPr>
-              <a:t>does bidder </a:t>
-            </a:r>
-            <a:r>
-              <a:rPr lang="en-US" sz="1800" dirty="0" err="1" smtClean="0">
-                <a:solidFill>
-                  <a:srgbClr val="3069A8"/>
-                </a:solidFill>
-              </a:rPr>
-              <a:t>i</a:t>
-            </a:r>
-            <a:r>
-              <a:rPr lang="en-US" sz="1800" dirty="0" smtClean="0">
-                <a:solidFill>
-                  <a:srgbClr val="3069A8"/>
-                </a:solidFill>
-              </a:rPr>
-              <a:t> </a:t>
-            </a:r>
-            <a:r>
-              <a:rPr lang="en-US" sz="1800" dirty="0" smtClean="0">
-                <a:solidFill>
-                  <a:srgbClr val="3069A8"/>
-                </a:solidFill>
-              </a:rPr>
-              <a:t>get</a:t>
-            </a:r>
-            <a:r>
-              <a:rPr lang="en-US" sz="1800" dirty="0" smtClean="0">
-                <a:solidFill>
-                  <a:srgbClr val="3069A8"/>
-                </a:solidFill>
-              </a:rPr>
-              <a:t>?</a:t>
+              <a:t> get?</a:t>
             </a:r>
           </a:p>
         </p:txBody>
@@ -13692,7 +13466,15 @@
                   <a:srgbClr val="3069A8"/>
                 </a:solidFill>
               </a:rPr>
-              <a:t>How much </a:t>
+              <a:t>How much does bidder </a:t>
+            </a:r>
+            <a:r>
+              <a:rPr lang="en-US" sz="1800" dirty="0" err="1" smtClean="0">
+                <a:solidFill>
+                  <a:srgbClr val="3069A8"/>
+                </a:solidFill>
+              </a:rPr>
+              <a:t>i</a:t>
             </a:r>
             <a:r>
               <a:rPr lang="en-US" sz="1800" dirty="0" smtClean="0">
@@ -13700,39 +13482,7 @@
                   <a:srgbClr val="3069A8"/>
                 </a:solidFill>
               </a:rPr>
-              <a:t>does bidder </a:t>
-            </a:r>
-            <a:r>
-              <a:rPr lang="en-US" sz="1800" dirty="0" err="1" smtClean="0">
-                <a:solidFill>
-                  <a:srgbClr val="3069A8"/>
-                </a:solidFill>
-              </a:rPr>
-              <a:t>i</a:t>
-            </a:r>
-            <a:r>
-              <a:rPr lang="en-US" sz="1800" dirty="0" smtClean="0">
-                <a:solidFill>
-                  <a:srgbClr val="3069A8"/>
-                </a:solidFill>
-              </a:rPr>
-              <a:t> </a:t>
-            </a:r>
-            <a:r>
-              <a:rPr lang="en-US" sz="1800" dirty="0" smtClean="0">
-                <a:solidFill>
-                  <a:srgbClr val="3069A8"/>
-                </a:solidFill>
-              </a:rPr>
-              <a:t>pay</a:t>
-            </a:r>
-            <a:r>
-              <a:rPr lang="en-US" sz="1800" dirty="0" smtClean="0">
-                <a:solidFill>
-                  <a:srgbClr val="3069A8"/>
-                </a:solidFill>
-              </a:rPr>
-              <a:t>?</a:t>
+              <a:t> pay?</a:t>
             </a:r>
           </a:p>
         </p:txBody>
@@ -13950,9 +13700,6 @@
               </a:rPr>
               <a:t>Run-1 was easy</a:t>
             </a:r>
-            <a:endParaRPr lang="en-US" sz="3600" dirty="0" smtClean="0">
-              <a:cs typeface="+mj-cs"/>
-            </a:endParaRPr>
           </a:p>
         </p:txBody>
       </p:sp>
@@ -14147,7 +13894,13 @@
               <a:rPr lang="en-US" sz="3600" dirty="0" smtClean="0">
                 <a:cs typeface="+mj-cs"/>
               </a:rPr>
-              <a:t>Some properties (NEEDS WORK)</a:t>
+              <a:t>Some </a:t>
+            </a:r>
+            <a:r>
+              <a:rPr lang="en-US" sz="3600" dirty="0" smtClean="0">
+                <a:cs typeface="+mj-cs"/>
+              </a:rPr>
+              <a:t>properties</a:t>
             </a:r>
             <a:endParaRPr lang="en-US" sz="3600" dirty="0" smtClean="0">
               <a:cs typeface="+mj-cs"/>
@@ -14182,7 +13935,7 @@
               <a:rPr lang="en-US" sz="2800" dirty="0" smtClean="0">
                 <a:cs typeface="+mn-cs"/>
               </a:rPr>
-              <a:t>Single bidder?</a:t>
+              <a:t>More than enough bandwidth?</a:t>
             </a:r>
           </a:p>
           <a:p>
@@ -14193,13 +13946,18 @@
               <a:rPr lang="en-US" sz="2400" dirty="0" smtClean="0">
                 <a:cs typeface="+mn-cs"/>
               </a:rPr>
-              <a:t>May decide not to bother setting up a circuit if not enoug</a:t>
-            </a:r>
+              <a:t>If there’s enough bandwidth to go around, the cost to all bidders is zero</a:t>
+            </a:r>
+          </a:p>
+          <a:p>
+            <a:pPr lvl="1" eaLnBrk="1" hangingPunct="1">
+              <a:defRPr/>
+            </a:pPr>
             <a:r>
               <a:rPr lang="en-US" sz="2400" dirty="0" smtClean="0">
                 <a:cs typeface="+mn-cs"/>
               </a:rPr>
-              <a:t>h competition to make it worthwhile</a:t>
+              <a:t>May not bother with up a circuit in these circumstances</a:t>
             </a:r>
           </a:p>
           <a:p>
@@ -14210,28 +13968,23 @@
               <a:rPr lang="en-US" sz="2400" dirty="0" smtClean="0">
                 <a:cs typeface="+mn-cs"/>
               </a:rPr>
-              <a:t>Allows network to respond to sudden increase from other users if they start sending traffic</a:t>
-            </a:r>
-          </a:p>
-          <a:p>
-            <a:pPr lvl="1" eaLnBrk="1" hangingPunct="1">
-              <a:defRPr/>
-            </a:pPr>
-            <a:r>
-              <a:rPr lang="en-US" sz="2400" dirty="0" smtClean="0">
-                <a:cs typeface="+mn-cs"/>
-              </a:rPr>
-              <a:t>Reduces (softens) guarantees to the single bidder who wanted the circuit</a:t>
-            </a:r>
-            <a:endParaRPr lang="en-US" sz="2400" dirty="0">
+              <a:t>Reduces (softens) guarantees to the single bidder who wanted the circuit, but simplifies network overhead</a:t>
+            </a:r>
+            <a:endParaRPr lang="en-US" dirty="0">
               <a:cs typeface="+mn-cs"/>
             </a:endParaRPr>
           </a:p>
           <a:p>
-            <a:pPr eaLnBrk="1" hangingPunct="1">
-              <a:defRPr/>
-            </a:pPr>
-            <a:endParaRPr lang="en-US" dirty="0" smtClean="0">
+            <a:pPr lvl="1" eaLnBrk="1" hangingPunct="1">
+              <a:defRPr/>
+            </a:pPr>
+            <a:r>
+              <a:rPr lang="en-US" sz="2400" dirty="0" smtClean="0">
+                <a:cs typeface="+mn-cs"/>
+              </a:rPr>
+              <a:t>Ultimately an operations-driven decision</a:t>
+            </a:r>
+            <a:endParaRPr lang="en-US" sz="2400" dirty="0">
               <a:cs typeface="+mn-cs"/>
             </a:endParaRPr>
           </a:p>
@@ -14332,9 +14085,6 @@
               </a:rPr>
               <a:t>PSP on multiple links?</a:t>
             </a:r>
-            <a:endParaRPr lang="en-US" sz="3600" dirty="0" smtClean="0">
-              <a:cs typeface="+mj-cs"/>
-            </a:endParaRPr>
           </a:p>
         </p:txBody>
       </p:sp>
@@ -14376,8 +14126,29 @@
               <a:rPr lang="en-US" sz="2400" dirty="0" smtClean="0">
                 <a:cs typeface="+mn-cs"/>
               </a:rPr>
-              <a:t>Independent auction on each link</a:t>
-            </a:r>
+              <a:t>Decentralized, i</a:t>
+            </a:r>
+            <a:r>
+              <a:rPr lang="en-US" sz="2400" dirty="0" smtClean="0">
+                <a:cs typeface="+mn-cs"/>
+              </a:rPr>
+              <a:t>ndependent </a:t>
+            </a:r>
+            <a:r>
+              <a:rPr lang="en-US" sz="2400" dirty="0" smtClean="0">
+                <a:cs typeface="+mn-cs"/>
+              </a:rPr>
+              <a:t>auction on each </a:t>
+            </a:r>
+            <a:r>
+              <a:rPr lang="en-US" sz="2400" dirty="0" smtClean="0">
+                <a:cs typeface="+mn-cs"/>
+              </a:rPr>
+              <a:t>link</a:t>
+            </a:r>
+            <a:endParaRPr lang="en-US" sz="2400" dirty="0" smtClean="0">
+              <a:cs typeface="+mn-cs"/>
+            </a:endParaRPr>
           </a:p>
           <a:p>
             <a:pPr lvl="1" eaLnBrk="1" hangingPunct="1">
@@ -14526,11 +14297,8 @@
               <a:rPr lang="en-US" sz="3600" dirty="0" smtClean="0">
                 <a:cs typeface="+mj-cs"/>
               </a:rPr>
-              <a:t>Say something else about multiple links (NEEDS WORK)</a:t>
-            </a:r>
-            <a:endParaRPr lang="en-US" sz="3600" dirty="0" smtClean="0">
-              <a:cs typeface="+mj-cs"/>
-            </a:endParaRPr>
+              <a:t>Practicalities, budgets, incentives…</a:t>
+            </a:r>
           </a:p>
         </p:txBody>
       </p:sp>
@@ -14557,9 +14325,119 @@
             <a:pPr eaLnBrk="1" hangingPunct="1">
               <a:defRPr/>
             </a:pPr>
+            <a:r>
+              <a:rPr lang="en-US" sz="2800" dirty="0" smtClean="0">
+                <a:cs typeface="+mn-cs"/>
+              </a:rPr>
+              <a:t>How often to run the auction?</a:t>
+            </a:r>
+          </a:p>
+          <a:p>
+            <a:pPr lvl="1" eaLnBrk="1" hangingPunct="1">
+              <a:defRPr/>
+            </a:pPr>
+            <a:r>
+              <a:rPr lang="en-US" sz="2400" dirty="0" smtClean="0">
+                <a:cs typeface="+mn-cs"/>
+              </a:rPr>
+              <a:t>In principle, whenever requirements change</a:t>
+            </a:r>
+          </a:p>
+          <a:p>
+            <a:pPr lvl="1" eaLnBrk="1" hangingPunct="1">
+              <a:defRPr/>
+            </a:pPr>
+            <a:r>
+              <a:rPr lang="en-US" sz="2400" dirty="0" smtClean="0">
+                <a:cs typeface="+mn-cs"/>
+              </a:rPr>
+              <a:t>In practice, determined by policy, lifetime of circuits, capability of circuit-management s/w etc.</a:t>
+            </a:r>
+            <a:r>
+              <a:rPr lang="en-US" sz="2400" dirty="0"/>
+              <a:t> Hourly?</a:t>
+            </a:r>
             <a:endParaRPr lang="en-US" sz="2400" dirty="0" smtClean="0">
               <a:cs typeface="+mn-cs"/>
             </a:endParaRPr>
+          </a:p>
+          <a:p>
+            <a:pPr eaLnBrk="1" hangingPunct="1">
+              <a:defRPr/>
+            </a:pPr>
+            <a:r>
+              <a:rPr lang="en-US" sz="2800" dirty="0" smtClean="0">
+                <a:cs typeface="+mn-cs"/>
+              </a:rPr>
+              <a:t>How much bandwidth to offer?</a:t>
+            </a:r>
+          </a:p>
+          <a:p>
+            <a:pPr lvl="1" eaLnBrk="1" hangingPunct="1">
+              <a:defRPr/>
+            </a:pPr>
+            <a:r>
+              <a:rPr lang="en-US" sz="2400" dirty="0" smtClean="0">
+                <a:cs typeface="+mn-cs"/>
+              </a:rPr>
+              <a:t>Can offer everything on a link</a:t>
+            </a:r>
+          </a:p>
+          <a:p>
+            <a:pPr lvl="2" eaLnBrk="1" hangingPunct="1">
+              <a:defRPr/>
+            </a:pPr>
+            <a:r>
+              <a:rPr lang="en-US" sz="2000" dirty="0" smtClean="0">
+                <a:cs typeface="+mn-cs"/>
+              </a:rPr>
+              <a:t>Lets single bidder claim whole link, starve non-participants</a:t>
+            </a:r>
+          </a:p>
+          <a:p>
+            <a:pPr lvl="1" eaLnBrk="1" hangingPunct="1">
+              <a:defRPr/>
+            </a:pPr>
+            <a:r>
+              <a:rPr lang="en-US" sz="2400" dirty="0" smtClean="0">
+                <a:cs typeface="+mn-cs"/>
+              </a:rPr>
+              <a:t>Can offer (e.g.) 80% of link</a:t>
+            </a:r>
+          </a:p>
+          <a:p>
+            <a:pPr lvl="2" eaLnBrk="1" hangingPunct="1">
+              <a:defRPr/>
+            </a:pPr>
+            <a:r>
+              <a:rPr lang="en-US" sz="2000" dirty="0" smtClean="0">
+                <a:cs typeface="+mn-cs"/>
+              </a:rPr>
+              <a:t>Non-participants can share at least 20% of the link</a:t>
+            </a:r>
+          </a:p>
+          <a:p>
+            <a:pPr lvl="2" eaLnBrk="1" hangingPunct="1">
+              <a:defRPr/>
+            </a:pPr>
+            <a:r>
+              <a:rPr lang="en-US" sz="2000" dirty="0" smtClean="0">
+                <a:cs typeface="+mn-cs"/>
+              </a:rPr>
+              <a:t>May not be </a:t>
+            </a:r>
+            <a:r>
+              <a:rPr lang="en-US" sz="2000" dirty="0">
+                <a:cs typeface="+mn-cs"/>
+              </a:rPr>
+              <a:t>a</a:t>
+            </a:r>
+            <a:r>
+              <a:rPr lang="en-US" sz="2000" dirty="0" smtClean="0">
+                <a:cs typeface="+mn-cs"/>
+              </a:rPr>
+              <a:t>ble to get 100% use if only one user (unless user can bundle 80% circuit with 20% non-circuit?)</a:t>
+            </a:r>
           </a:p>
         </p:txBody>
       </p:sp>
@@ -14595,7 +14473,7 @@
     </p:spTree>
     <p:extLst>
       <p:ext uri="{BB962C8B-B14F-4D97-AF65-F5344CB8AC3E}">
-        <p14:creationId xmlns:p14="http://schemas.microsoft.com/office/powerpoint/2010/main" val="1204521279"/>
+        <p14:creationId xmlns:p14="http://schemas.microsoft.com/office/powerpoint/2010/main" val="3426734463"/>
       </p:ext>
     </p:extLst>
   </p:cSld>
@@ -14658,9 +14536,6 @@
               </a:rPr>
               <a:t>Practicalities, budgets, incentives…</a:t>
             </a:r>
-            <a:endParaRPr lang="en-US" sz="3600" dirty="0" smtClean="0">
-              <a:cs typeface="+mj-cs"/>
-            </a:endParaRPr>
           </a:p>
         </p:txBody>
       </p:sp>
@@ -14691,13 +14566,40 @@
               <a:rPr lang="en-US" sz="2800" dirty="0" smtClean="0">
                 <a:cs typeface="+mn-cs"/>
               </a:rPr>
-              <a:t>How often to run th</a:t>
-            </a:r>
+              <a:t>Real world, real money</a:t>
+            </a:r>
+          </a:p>
+          <a:p>
+            <a:pPr lvl="1" eaLnBrk="1" hangingPunct="1">
+              <a:defRPr/>
+            </a:pPr>
+            <a:r>
+              <a:rPr lang="en-US" sz="2400" dirty="0" smtClean="0">
+                <a:cs typeface="+mn-cs"/>
+              </a:rPr>
+              <a:t>Budgets set by bidders</a:t>
+            </a:r>
+          </a:p>
+          <a:p>
+            <a:pPr lvl="1" eaLnBrk="1" hangingPunct="1">
+              <a:defRPr/>
+            </a:pPr>
+            <a:r>
+              <a:rPr lang="en-US" sz="2400" dirty="0" smtClean="0">
+                <a:cs typeface="+mn-cs"/>
+              </a:rPr>
+              <a:t>PSP guarantees the bidders converge on a solution</a:t>
+            </a:r>
+          </a:p>
+          <a:p>
+            <a:pPr eaLnBrk="1" hangingPunct="1">
+              <a:defRPr/>
+            </a:pPr>
             <a:r>
               <a:rPr lang="en-US" sz="2800" dirty="0" smtClean="0">
                 <a:cs typeface="+mn-cs"/>
               </a:rPr>
-              <a:t>e auction?</a:t>
+              <a:t>LHCONE, HEP experiments</a:t>
             </a:r>
           </a:p>
           <a:p>
@@ -14708,7 +14610,7 @@
               <a:rPr lang="en-US" sz="2400" dirty="0" smtClean="0">
                 <a:cs typeface="+mn-cs"/>
               </a:rPr>
-              <a:t>In principle, whenever requirements change. Hourly?</a:t>
+              <a:t>Not real money, so who sets budgets? How?</a:t>
             </a:r>
           </a:p>
           <a:p>
@@ -14716,30 +14618,36 @@
               <a:defRPr/>
             </a:pPr>
             <a:r>
+              <a:rPr lang="en-US" sz="2400" dirty="0" smtClean="0"/>
+              <a:t>Initial budgets negotiated among participants</a:t>
+            </a:r>
+          </a:p>
+          <a:p>
+            <a:pPr lvl="2" eaLnBrk="1" hangingPunct="1">
+              <a:defRPr/>
+            </a:pPr>
+            <a:r>
+              <a:rPr lang="en-US" sz="2000" dirty="0" smtClean="0"/>
+              <a:t>Revise rarely,</a:t>
+            </a:r>
+            <a:r>
+              <a:rPr lang="en-US" sz="2000" dirty="0"/>
+              <a:t> e.g.</a:t>
+            </a:r>
+            <a:r>
+              <a:rPr lang="en-US" sz="2000" dirty="0" smtClean="0"/>
+              <a:t> based on changes in needs</a:t>
+            </a:r>
+          </a:p>
+          <a:p>
+            <a:pPr lvl="1" eaLnBrk="1" hangingPunct="1">
+              <a:defRPr/>
+            </a:pPr>
+            <a:r>
               <a:rPr lang="en-US" sz="2400" dirty="0" smtClean="0">
                 <a:cs typeface="+mn-cs"/>
               </a:rPr>
-              <a:t>In practice, determined by policy, lifetime of circuits, capability of circuit-management s/w </a:t>
-            </a:r>
-            <a:r>
-              <a:rPr lang="en-US" sz="2400" dirty="0" err="1" smtClean="0">
-                <a:cs typeface="+mn-cs"/>
-              </a:rPr>
-              <a:t>etc</a:t>
-            </a:r>
-            <a:endParaRPr lang="en-US" sz="2400" dirty="0" smtClean="0">
-              <a:cs typeface="+mn-cs"/>
-            </a:endParaRPr>
-          </a:p>
-          <a:p>
-            <a:pPr eaLnBrk="1" hangingPunct="1">
-              <a:defRPr/>
-            </a:pPr>
-            <a:r>
-              <a:rPr lang="en-US" sz="2800" dirty="0" smtClean="0">
-                <a:cs typeface="+mn-cs"/>
-              </a:rPr>
-              <a:t>How much bandwidth to offer?</a:t>
+              <a:t>Budget spent ~every time you win a slice of an auction</a:t>
             </a:r>
           </a:p>
           <a:p>
@@ -14750,18 +14658,7 @@
               <a:rPr lang="en-US" sz="2400" dirty="0" smtClean="0">
                 <a:cs typeface="+mn-cs"/>
               </a:rPr>
-              <a:t>Can offer everything on a link</a:t>
-            </a:r>
-          </a:p>
-          <a:p>
-            <a:pPr lvl="2" eaLnBrk="1" hangingPunct="1">
-              <a:defRPr/>
-            </a:pPr>
-            <a:r>
-              <a:rPr lang="en-US" sz="2000" dirty="0" smtClean="0">
-                <a:cs typeface="+mn-cs"/>
-              </a:rPr>
-              <a:t>Lets single bidder claim whole link, starve non-participants</a:t>
+              <a:t>Need topping up from time to time</a:t>
             </a:r>
           </a:p>
           <a:p>
@@ -14772,41 +14669,7 @@
               <a:rPr lang="en-US" sz="2400" dirty="0" smtClean="0">
                 <a:cs typeface="+mn-cs"/>
               </a:rPr>
-              <a:t>Can offer (e.g.) 80% of link</a:t>
-            </a:r>
-          </a:p>
-          <a:p>
-            <a:pPr lvl="2" eaLnBrk="1" hangingPunct="1">
-              <a:defRPr/>
-            </a:pPr>
-            <a:r>
-              <a:rPr lang="en-US" sz="2000" dirty="0" smtClean="0">
-                <a:cs typeface="+mn-cs"/>
-              </a:rPr>
-              <a:t>Non-participants can share at least 20% of the link</a:t>
-            </a:r>
-          </a:p>
-          <a:p>
-            <a:pPr lvl="2" eaLnBrk="1" hangingPunct="1">
-              <a:defRPr/>
-            </a:pPr>
-            <a:r>
-              <a:rPr lang="en-US" sz="2000" dirty="0" smtClean="0">
-                <a:cs typeface="+mn-cs"/>
-              </a:rPr>
-              <a:t>May not be </a:t>
-            </a:r>
-            <a:r>
-              <a:rPr lang="en-US" sz="2000" dirty="0">
-                <a:cs typeface="+mn-cs"/>
-              </a:rPr>
-              <a:t>a</a:t>
-            </a:r>
-            <a:r>
-              <a:rPr lang="en-US" sz="2000" dirty="0" smtClean="0">
-                <a:cs typeface="+mn-cs"/>
-              </a:rPr>
-              <a:t>ble to get 100% use if only one user (unless user can bundle 80% circuit with 20% non-circuit?)</a:t>
+              <a:t>Must ensure ‘fake money’ has real value in the auction</a:t>
             </a:r>
           </a:p>
         </p:txBody>
@@ -14843,7 +14706,7 @@
     </p:spTree>
     <p:extLst>
       <p:ext uri="{BB962C8B-B14F-4D97-AF65-F5344CB8AC3E}">
-        <p14:creationId xmlns:p14="http://schemas.microsoft.com/office/powerpoint/2010/main" val="3426734463"/>
+        <p14:creationId xmlns:p14="http://schemas.microsoft.com/office/powerpoint/2010/main" val="942064067"/>
       </p:ext>
     </p:extLst>
   </p:cSld>
@@ -14904,11 +14767,8 @@
               <a:rPr lang="en-US" sz="3600" dirty="0" smtClean="0">
                 <a:cs typeface="+mj-cs"/>
               </a:rPr>
-              <a:t>Practicalities, budgets, incentives…</a:t>
-            </a:r>
-            <a:endParaRPr lang="en-US" sz="3600" dirty="0" smtClean="0">
-              <a:cs typeface="+mj-cs"/>
-            </a:endParaRPr>
+              <a:t>How, and how often, to update budgets?</a:t>
+            </a:r>
           </a:p>
         </p:txBody>
       </p:sp>
@@ -14939,7 +14799,7 @@
               <a:rPr lang="en-US" sz="2800" dirty="0" smtClean="0">
                 <a:cs typeface="+mn-cs"/>
               </a:rPr>
-              <a:t>Real world, real money</a:t>
+              <a:t>Reset budget per-auction?</a:t>
             </a:r>
           </a:p>
           <a:p>
@@ -14950,7 +14810,7 @@
               <a:rPr lang="en-US" sz="2400" dirty="0" smtClean="0">
                 <a:cs typeface="+mn-cs"/>
               </a:rPr>
-              <a:t>Budgets set by bidders</a:t>
+              <a:t>No incentive not to spend entire budget every time</a:t>
             </a:r>
           </a:p>
           <a:p>
@@ -14961,7 +14821,28 @@
               <a:rPr lang="en-US" sz="2400" dirty="0" smtClean="0">
                 <a:cs typeface="+mn-cs"/>
               </a:rPr>
-              <a:t>PSP guarantees the bidders converge on a solution</a:t>
+              <a:t>Can lead to wasteful bidding, where not needed</a:t>
+            </a:r>
+          </a:p>
+          <a:p>
+            <a:pPr lvl="1" eaLnBrk="1" hangingPunct="1">
+              <a:defRPr/>
+            </a:pPr>
+            <a:r>
+              <a:rPr lang="en-US" sz="2400" dirty="0" smtClean="0">
+                <a:cs typeface="+mn-cs"/>
+              </a:rPr>
+              <a:t>Regular top-up </a:t>
+            </a:r>
+            <a:r>
+              <a:rPr lang="en-US" sz="2400" dirty="0"/>
+              <a:t>every few hours/days/auctions</a:t>
+            </a:r>
+            <a:r>
+              <a:rPr lang="en-US" sz="2400" dirty="0" smtClean="0">
+                <a:cs typeface="+mn-cs"/>
+              </a:rPr>
+              <a:t>?</a:t>
             </a:r>
           </a:p>
           <a:p>
@@ -14972,7 +14853,7 @@
               <a:rPr lang="en-US" sz="2800" dirty="0" smtClean="0">
                 <a:cs typeface="+mn-cs"/>
               </a:rPr>
-              <a:t>LHCONE, HEP experiments</a:t>
+              <a:t>Carry-over of unspent budget?</a:t>
             </a:r>
           </a:p>
           <a:p>
@@ -14983,13 +14864,29 @@
               <a:rPr lang="en-US" sz="2400" dirty="0" smtClean="0">
                 <a:cs typeface="+mn-cs"/>
               </a:rPr>
-              <a:t>Not real money, so</a:t>
-            </a:r>
+              <a:t>Budget-hoarding =&gt; undesirable/‘unfair’ outcomes</a:t>
+            </a:r>
+          </a:p>
+          <a:p>
+            <a:pPr lvl="1" eaLnBrk="1" hangingPunct="1">
+              <a:defRPr/>
+            </a:pPr>
             <a:r>
               <a:rPr lang="en-US" sz="2400" dirty="0" smtClean="0">
                 <a:cs typeface="+mn-cs"/>
               </a:rPr>
-              <a:t> who sets budgets? How?</a:t>
+              <a:t>Carry-over with exponential decay, or similar?</a:t>
+            </a:r>
+          </a:p>
+          <a:p>
+            <a:pPr eaLnBrk="1" hangingPunct="1">
+              <a:defRPr/>
+            </a:pPr>
+            <a:r>
+              <a:rPr lang="en-US" sz="2800" dirty="0" smtClean="0">
+                <a:cs typeface="+mn-cs"/>
+              </a:rPr>
+              <a:t>Excess budget</a:t>
             </a:r>
           </a:p>
           <a:p>
@@ -14997,25 +14894,10 @@
               <a:defRPr/>
             </a:pPr>
             <a:r>
-              <a:rPr lang="en-US" sz="2400" dirty="0" smtClean="0"/>
-              <a:t>Initial budgets negotiated among participants</a:t>
-            </a:r>
-          </a:p>
-          <a:p>
-            <a:pPr lvl="2" eaLnBrk="1" hangingPunct="1">
-              <a:defRPr/>
-            </a:pPr>
-            <a:r>
-              <a:rPr lang="en-US" sz="2000" dirty="0" smtClean="0"/>
-              <a:t>Revise rarely,</a:t>
-            </a:r>
-            <a:r>
-              <a:rPr lang="en-US" sz="2000" dirty="0"/>
-              <a:t> e.g.</a:t>
-            </a:r>
-            <a:r>
-              <a:rPr lang="en-US" sz="2000" dirty="0" smtClean="0"/>
-              <a:t> based on changes in needs</a:t>
+              <a:rPr lang="en-US" sz="2400" dirty="0" smtClean="0">
+                <a:cs typeface="+mn-cs"/>
+              </a:rPr>
+              <a:t>Blocking tactics, bidding for a link you don’t need</a:t>
             </a:r>
           </a:p>
           <a:p>
@@ -15026,29 +14908,7 @@
               <a:rPr lang="en-US" sz="2400" dirty="0" smtClean="0">
                 <a:cs typeface="+mn-cs"/>
               </a:rPr>
-              <a:t>Budget spent ~every time you win a slice of an auction</a:t>
-            </a:r>
-          </a:p>
-          <a:p>
-            <a:pPr lvl="1" eaLnBrk="1" hangingPunct="1">
-              <a:defRPr/>
-            </a:pPr>
-            <a:r>
-              <a:rPr lang="en-US" sz="2400" dirty="0" smtClean="0">
-                <a:cs typeface="+mn-cs"/>
-              </a:rPr>
-              <a:t>Need topping up from time to time</a:t>
-            </a:r>
-          </a:p>
-          <a:p>
-            <a:pPr lvl="1" eaLnBrk="1" hangingPunct="1">
-              <a:defRPr/>
-            </a:pPr>
-            <a:r>
-              <a:rPr lang="en-US" sz="2400" dirty="0" smtClean="0">
-                <a:cs typeface="+mn-cs"/>
-              </a:rPr>
-              <a:t>Must ensure ‘fake money’ has real value in the auction</a:t>
+              <a:t>Some way to penalize for under-used circuits?</a:t>
             </a:r>
           </a:p>
         </p:txBody>
@@ -15085,7 +14945,7 @@
     </p:spTree>
     <p:extLst>
       <p:ext uri="{BB962C8B-B14F-4D97-AF65-F5344CB8AC3E}">
-        <p14:creationId xmlns:p14="http://schemas.microsoft.com/office/powerpoint/2010/main" val="942064067"/>
+        <p14:creationId xmlns:p14="http://schemas.microsoft.com/office/powerpoint/2010/main" val="2871933395"/>
       </p:ext>
     </p:extLst>
   </p:cSld>
@@ -15146,11 +15006,8 @@
               <a:rPr lang="en-US" sz="3600" dirty="0" smtClean="0">
                 <a:cs typeface="+mj-cs"/>
               </a:rPr>
-              <a:t>How, and how often, to update budgets?</a:t>
-            </a:r>
-            <a:endParaRPr lang="en-US" sz="3600" dirty="0" smtClean="0">
-              <a:cs typeface="+mj-cs"/>
-            </a:endParaRPr>
+              <a:t>Conclusion, principles</a:t>
+            </a:r>
           </a:p>
         </p:txBody>
       </p:sp>
@@ -15181,7 +15038,11 @@
               <a:rPr lang="en-US" sz="2800" dirty="0" smtClean="0">
                 <a:cs typeface="+mn-cs"/>
               </a:rPr>
-              <a:t>Reset budget per-auction?</a:t>
+              <a:t>Bandwidth-sharing at LHCONE requires a mechanism for </a:t>
+            </a:r>
+            <a:r>
+              <a:rPr lang="en-US" sz="2800" dirty="0" smtClean="0"/>
+              <a:t>allocating bandwidth shares</a:t>
             </a:r>
           </a:p>
           <a:p>
@@ -15189,10 +15050,41 @@
               <a:defRPr/>
             </a:pPr>
             <a:r>
+              <a:rPr lang="en-US" sz="2400" dirty="0" smtClean="0"/>
+              <a:t>Fair</a:t>
+            </a:r>
+            <a:r>
+              <a:rPr lang="en-US" sz="2400" dirty="0"/>
+              <a:t>, efficient, </a:t>
+            </a:r>
+            <a:r>
+              <a:rPr lang="en-US" sz="2400" dirty="0" smtClean="0"/>
+              <a:t>lightweight, responsive, automatic</a:t>
+            </a:r>
+            <a:endParaRPr lang="en-US" sz="2400" dirty="0" smtClean="0">
+              <a:cs typeface="+mn-cs"/>
+            </a:endParaRPr>
+          </a:p>
+          <a:p>
+            <a:pPr eaLnBrk="1" hangingPunct="1">
+              <a:defRPr/>
+            </a:pPr>
+            <a:r>
+              <a:rPr lang="en-US" sz="2800" dirty="0" smtClean="0">
+                <a:cs typeface="+mn-cs"/>
+              </a:rPr>
+              <a:t>The Progressive Second-Price auction offers this</a:t>
+            </a:r>
+          </a:p>
+          <a:p>
+            <a:pPr lvl="1" eaLnBrk="1" hangingPunct="1">
+              <a:defRPr/>
+            </a:pPr>
+            <a:r>
               <a:rPr lang="en-US" sz="2400" dirty="0" smtClean="0">
                 <a:cs typeface="+mn-cs"/>
               </a:rPr>
-              <a:t>No incentive not to spend entire budget every time</a:t>
+              <a:t>Users negotiate how much bandwidth they should get</a:t>
             </a:r>
           </a:p>
           <a:p>
@@ -15203,7 +15095,7 @@
               <a:rPr lang="en-US" sz="2400" dirty="0" smtClean="0">
                 <a:cs typeface="+mn-cs"/>
               </a:rPr>
-              <a:t>Can lead to circuits being ‘bought’ where not needed</a:t>
+              <a:t>Network providers get clear statement of what users want at any point in time</a:t>
             </a:r>
           </a:p>
           <a:p>
@@ -15214,83 +15106,18 @@
               <a:rPr lang="en-US" sz="2400" dirty="0" smtClean="0">
                 <a:cs typeface="+mn-cs"/>
               </a:rPr>
-              <a:t>Regular top-up </a:t>
-            </a:r>
-            <a:r>
-              <a:rPr lang="en-US" sz="2400" dirty="0"/>
-              <a:t>every few hours/days/auctions</a:t>
-            </a:r>
+              <a:t>Repeat auction as needs change</a:t>
+            </a:r>
+          </a:p>
+          <a:p>
+            <a:pPr lvl="1" eaLnBrk="1" hangingPunct="1">
+              <a:defRPr/>
+            </a:pPr>
             <a:r>
               <a:rPr lang="en-US" sz="2400" dirty="0" smtClean="0">
                 <a:cs typeface="+mn-cs"/>
               </a:rPr>
-              <a:t>?</a:t>
-            </a:r>
-          </a:p>
-          <a:p>
-            <a:pPr eaLnBrk="1" hangingPunct="1">
-              <a:defRPr/>
-            </a:pPr>
-            <a:r>
-              <a:rPr lang="en-US" sz="2800" dirty="0" smtClean="0">
-                <a:cs typeface="+mn-cs"/>
-              </a:rPr>
-              <a:t>Carry-over of unspent budget?</a:t>
-            </a:r>
-          </a:p>
-          <a:p>
-            <a:pPr lvl="1" eaLnBrk="1" hangingPunct="1">
-              <a:defRPr/>
-            </a:pPr>
-            <a:r>
-              <a:rPr lang="en-US" sz="2400" dirty="0" smtClean="0">
-                <a:cs typeface="+mn-cs"/>
-              </a:rPr>
-              <a:t>Budget-hoarding =&gt; undesirable/‘unfair’ outcomes</a:t>
-            </a:r>
-          </a:p>
-          <a:p>
-            <a:pPr lvl="1" eaLnBrk="1" hangingPunct="1">
-              <a:defRPr/>
-            </a:pPr>
-            <a:r>
-              <a:rPr lang="en-US" sz="2400" dirty="0" smtClean="0">
-                <a:cs typeface="+mn-cs"/>
-              </a:rPr>
-              <a:t>Carry-over with exponential decay, or similar?</a:t>
-            </a:r>
-          </a:p>
-          <a:p>
-            <a:pPr eaLnBrk="1" hangingPunct="1">
-              <a:defRPr/>
-            </a:pPr>
-            <a:r>
-              <a:rPr lang="en-US" sz="2800" dirty="0" smtClean="0">
-                <a:cs typeface="+mn-cs"/>
-              </a:rPr>
-              <a:t>Excess budget</a:t>
-            </a:r>
-          </a:p>
-          <a:p>
-            <a:pPr lvl="1" eaLnBrk="1" hangingPunct="1">
-              <a:defRPr/>
-            </a:pPr>
-            <a:r>
-              <a:rPr lang="en-US" sz="2400" dirty="0" smtClean="0">
-                <a:cs typeface="+mn-cs"/>
-              </a:rPr>
-              <a:t>Blocking tactics, bidding for a link you don’t need</a:t>
-            </a:r>
-          </a:p>
-          <a:p>
-            <a:pPr lvl="1" eaLnBrk="1" hangingPunct="1">
-              <a:defRPr/>
-            </a:pPr>
-            <a:r>
-              <a:rPr lang="en-US" sz="2400" dirty="0" smtClean="0">
-                <a:cs typeface="+mn-cs"/>
-              </a:rPr>
-              <a:t>Some way to penalize for under-used circuits?</a:t>
+              <a:t>Follow fluctuations in circumstances automatically</a:t>
             </a:r>
           </a:p>
         </p:txBody>
@@ -15327,7 +15154,7 @@
     </p:spTree>
     <p:extLst>
       <p:ext uri="{BB962C8B-B14F-4D97-AF65-F5344CB8AC3E}">
-        <p14:creationId xmlns:p14="http://schemas.microsoft.com/office/powerpoint/2010/main" val="2871933395"/>
+        <p14:creationId xmlns:p14="http://schemas.microsoft.com/office/powerpoint/2010/main" val="3206539761"/>
       </p:ext>
     </p:extLst>
   </p:cSld>
@@ -15388,11 +15215,8 @@
               <a:rPr lang="en-US" sz="3600" dirty="0" smtClean="0">
                 <a:cs typeface="+mj-cs"/>
               </a:rPr>
-              <a:t>Conclusion</a:t>
-            </a:r>
-            <a:endParaRPr lang="en-US" sz="3600" dirty="0" smtClean="0">
-              <a:cs typeface="+mj-cs"/>
-            </a:endParaRPr>
+              <a:t>Conclusion, practicalities</a:t>
+            </a:r>
           </a:p>
         </p:txBody>
       </p:sp>
@@ -15423,11 +15247,71 @@
               <a:rPr lang="en-US" sz="2800" dirty="0" smtClean="0">
                 <a:cs typeface="+mn-cs"/>
               </a:rPr>
-              <a:t>Bandwidth-sharing at LHCONE requires a mechanism for </a:t>
-            </a:r>
+              <a:t>How to represent LHCONE?</a:t>
+            </a:r>
+          </a:p>
+          <a:p>
+            <a:pPr lvl="1" eaLnBrk="1" hangingPunct="1">
+              <a:defRPr/>
+            </a:pPr>
+            <a:r>
+              <a:rPr lang="en-US" sz="2400" dirty="0" smtClean="0">
+                <a:cs typeface="+mn-cs"/>
+              </a:rPr>
+              <a:t>How much bandwidth to auction from each link</a:t>
+            </a:r>
+          </a:p>
+          <a:p>
+            <a:pPr lvl="1" eaLnBrk="1" hangingPunct="1">
+              <a:defRPr/>
+            </a:pPr>
+            <a:r>
+              <a:rPr lang="en-US" sz="2400" dirty="0" smtClean="0">
+                <a:cs typeface="+mn-cs"/>
+              </a:rPr>
+              <a:t>How to deal fairly with non-participants, casual users of the network?</a:t>
+            </a:r>
+          </a:p>
+          <a:p>
+            <a:pPr eaLnBrk="1" hangingPunct="1">
+              <a:defRPr/>
+            </a:pPr>
+            <a:r>
+              <a:rPr lang="en-US" sz="2800" dirty="0" smtClean="0">
+                <a:cs typeface="+mn-cs"/>
+              </a:rPr>
+              <a:t>Fake budget complicates things</a:t>
+            </a:r>
+          </a:p>
+          <a:p>
+            <a:pPr lvl="1" eaLnBrk="1" hangingPunct="1">
+              <a:defRPr/>
+            </a:pPr>
+            <a:r>
+              <a:rPr lang="en-US" sz="2400" dirty="0" smtClean="0">
+                <a:cs typeface="+mn-cs"/>
+              </a:rPr>
+              <a:t>Setting initial budgets, refreshing budgets periodically</a:t>
+            </a:r>
+          </a:p>
+          <a:p>
+            <a:pPr lvl="1" eaLnBrk="1" hangingPunct="1">
+              <a:defRPr/>
+            </a:pPr>
+            <a:r>
+              <a:rPr lang="en-US" sz="2400" dirty="0" smtClean="0">
+                <a:cs typeface="+mn-cs"/>
+              </a:rPr>
+              <a:t>Similarities to batch quotas?</a:t>
+            </a:r>
+          </a:p>
+          <a:p>
+            <a:pPr eaLnBrk="1" hangingPunct="1">
+              <a:defRPr/>
+            </a:pPr>
             <a:r>
               <a:rPr lang="en-US" sz="2800" dirty="0" smtClean="0"/>
-              <a:t>allocating bandwidth shares</a:t>
+              <a:t>Bidding strategies</a:t>
             </a:r>
           </a:p>
           <a:p>
@@ -15435,66 +15319,16 @@
               <a:defRPr/>
             </a:pPr>
             <a:r>
-              <a:rPr lang="en-US" sz="2400" dirty="0" smtClean="0"/>
-              <a:t>Fair</a:t>
-            </a:r>
-            <a:r>
-              <a:rPr lang="en-US" sz="2400" dirty="0"/>
-              <a:t>, efficient, </a:t>
-            </a:r>
-            <a:r>
-              <a:rPr lang="en-US" sz="2400" dirty="0" smtClean="0"/>
-              <a:t>lightweight, responsive, automatic</a:t>
-            </a:r>
-            <a:endParaRPr lang="en-US" sz="2400" dirty="0" smtClean="0">
-              <a:cs typeface="+mn-cs"/>
-            </a:endParaRPr>
-          </a:p>
-          <a:p>
-            <a:pPr eaLnBrk="1" hangingPunct="1">
-              <a:defRPr/>
-            </a:pPr>
-            <a:r>
-              <a:rPr lang="en-US" sz="2800" dirty="0" smtClean="0">
-                <a:cs typeface="+mn-cs"/>
-              </a:rPr>
-              <a:t>The Progressive Second-Price auction offers this</a:t>
-            </a:r>
-          </a:p>
-          <a:p>
-            <a:pPr eaLnBrk="1" hangingPunct="1">
-              <a:defRPr/>
-            </a:pPr>
-            <a:r>
-              <a:rPr lang="en-US" sz="2800" dirty="0" smtClean="0">
-                <a:cs typeface="+mn-cs"/>
-              </a:rPr>
-              <a:t>Allows users to negotiate among themselves how much bandwidth they should each get</a:t>
-            </a:r>
-          </a:p>
-          <a:p>
-            <a:pPr lvl="1" eaLnBrk="1" hangingPunct="1">
-              <a:defRPr/>
-            </a:pPr>
+              <a:rPr lang="en-US" sz="2400" dirty="0" err="1" smtClean="0">
+                <a:cs typeface="+mn-cs"/>
+              </a:rPr>
+              <a:t>Behaviour</a:t>
+            </a:r>
             <a:r>
               <a:rPr lang="en-US" sz="2400" dirty="0" smtClean="0">
                 <a:cs typeface="+mn-cs"/>
               </a:rPr>
-              <a:t>Repeat auction as needs change</a:t>
-            </a:r>
-            <a:endParaRPr lang="en-US" sz="2400" dirty="0" smtClean="0">
-              <a:cs typeface="+mn-cs"/>
-            </a:endParaRPr>
-          </a:p>
-          <a:p>
-            <a:pPr lvl="1" eaLnBrk="1" hangingPunct="1">
-              <a:defRPr/>
-            </a:pPr>
-            <a:r>
-              <a:rPr lang="en-US" sz="2400" dirty="0" smtClean="0">
-                <a:cs typeface="+mn-cs"/>
-              </a:rPr>
-              <a:t>Follow fluctuations in circumstances automatically</a:t>
+              <a:t> in repeat auctions</a:t>
             </a:r>
           </a:p>
         </p:txBody>
@@ -15531,7 +15365,7 @@
     </p:spTree>
     <p:extLst>
       <p:ext uri="{BB962C8B-B14F-4D97-AF65-F5344CB8AC3E}">
-        <p14:creationId xmlns:p14="http://schemas.microsoft.com/office/powerpoint/2010/main" val="3206539761"/>
+        <p14:creationId xmlns:p14="http://schemas.microsoft.com/office/powerpoint/2010/main" val="1658867950"/>
       </p:ext>
     </p:extLst>
   </p:cSld>
@@ -15592,11 +15426,8 @@
               <a:rPr lang="en-US" sz="3600" dirty="0" smtClean="0">
                 <a:cs typeface="+mj-cs"/>
               </a:rPr>
-              <a:t>Conclusion, practicalities</a:t>
-            </a:r>
-            <a:endParaRPr lang="en-US" sz="3600" dirty="0" smtClean="0">
-              <a:cs typeface="+mj-cs"/>
-            </a:endParaRPr>
+              <a:t>Backup…</a:t>
+            </a:r>
           </a:p>
         </p:txBody>
       </p:sp>
@@ -15623,102 +15454,9 @@
             <a:pPr eaLnBrk="1" hangingPunct="1">
               <a:defRPr/>
             </a:pPr>
-            <a:r>
-              <a:rPr lang="en-US" sz="2800" dirty="0" smtClean="0">
-                <a:cs typeface="+mn-cs"/>
-              </a:rPr>
-              <a:t>How much bandwidth to auction from each link</a:t>
-            </a:r>
-          </a:p>
-          <a:p>
-            <a:pPr lvl="1" eaLnBrk="1" hangingPunct="1">
-              <a:defRPr/>
-            </a:pPr>
-            <a:r>
-              <a:rPr lang="en-US" sz="2400" dirty="0">
-                <a:cs typeface="+mn-cs"/>
-              </a:rPr>
-              <a:t>H</a:t>
-            </a:r>
-            <a:r>
-              <a:rPr lang="en-US" sz="2400" dirty="0" smtClean="0">
-                <a:cs typeface="+mn-cs"/>
-              </a:rPr>
-              <a:t>ow to deal fairly with non-participants, casual users of the network?</a:t>
-            </a:r>
-          </a:p>
-          <a:p>
-            <a:pPr eaLnBrk="1" hangingPunct="1">
-              <a:defRPr/>
-            </a:pPr>
-            <a:r>
-              <a:rPr lang="en-US" sz="2800" dirty="0" smtClean="0">
-                <a:cs typeface="+mn-cs"/>
-              </a:rPr>
-              <a:t>Using fake budget complicates things</a:t>
-            </a:r>
-          </a:p>
-          <a:p>
-            <a:pPr lvl="1" eaLnBrk="1" hangingPunct="1">
-              <a:defRPr/>
-            </a:pPr>
-            <a:r>
-              <a:rPr lang="en-US" sz="2400" dirty="0" smtClean="0">
-                <a:cs typeface="+mn-cs"/>
-              </a:rPr>
-              <a:t>Setting initial budgets</a:t>
-            </a:r>
-          </a:p>
-          <a:p>
-            <a:pPr lvl="1" eaLnBrk="1" hangingPunct="1">
-              <a:defRPr/>
-            </a:pPr>
-            <a:r>
-              <a:rPr lang="en-US" sz="2400" dirty="0">
-                <a:cs typeface="+mn-cs"/>
-              </a:rPr>
-              <a:t>R</a:t>
-            </a:r>
-            <a:r>
-              <a:rPr lang="en-US" sz="2400" dirty="0" smtClean="0">
-                <a:cs typeface="+mn-cs"/>
-              </a:rPr>
-              <a:t>efreshing budgets periodically</a:t>
-            </a:r>
-          </a:p>
-          <a:p>
-            <a:pPr lvl="1" eaLnBrk="1" hangingPunct="1">
-              <a:defRPr/>
-            </a:pPr>
-            <a:r>
-              <a:rPr lang="en-US" sz="2400" dirty="0" err="1">
-                <a:cs typeface="+mn-cs"/>
-              </a:rPr>
-              <a:t>B</a:t>
-            </a:r>
-            <a:r>
-              <a:rPr lang="en-US" sz="2400" dirty="0" err="1" smtClean="0">
-                <a:cs typeface="+mn-cs"/>
-              </a:rPr>
-              <a:t>ehaviour</a:t>
-            </a:r>
-            <a:r>
-              <a:rPr lang="en-US" sz="2400" dirty="0" smtClean="0">
-                <a:cs typeface="+mn-cs"/>
-              </a:rPr>
-              <a:t> in repeat auctions</a:t>
-            </a:r>
-          </a:p>
-          <a:p>
-            <a:pPr lvl="1" eaLnBrk="1" hangingPunct="1">
-              <a:defRPr/>
-            </a:pPr>
-            <a:r>
-              <a:rPr lang="en-US" sz="2400" dirty="0" smtClean="0">
-                <a:cs typeface="+mn-cs"/>
-              </a:rPr>
-              <a:t>Similarities to batch quotas?</a:t>
-            </a:r>
+            <a:endParaRPr lang="en-US" sz="2400" dirty="0" smtClean="0">
+              <a:cs typeface="+mn-cs"/>
+            </a:endParaRPr>
           </a:p>
         </p:txBody>
       </p:sp>
@@ -15754,7 +15492,7 @@
     </p:spTree>
     <p:extLst>
       <p:ext uri="{BB962C8B-B14F-4D97-AF65-F5344CB8AC3E}">
-        <p14:creationId xmlns:p14="http://schemas.microsoft.com/office/powerpoint/2010/main" val="1658867950"/>
+        <p14:creationId xmlns:p14="http://schemas.microsoft.com/office/powerpoint/2010/main" val="474300499"/>
       </p:ext>
     </p:extLst>
   </p:cSld>
@@ -15790,70 +15528,6 @@
       </p:grpSpPr>
       <p:sp>
         <p:nvSpPr>
-          <p:cNvPr id="2" name="Title 1"/>
-          <p:cNvSpPr>
-            <a:spLocks noGrp="1"/>
-          </p:cNvSpPr>
-          <p:nvPr>
-            <p:ph type="title"/>
-          </p:nvPr>
-        </p:nvSpPr>
-        <p:spPr>
-          <a:xfrm>
-            <a:off x="685800" y="381000"/>
-            <a:ext cx="7772400" cy="1143000"/>
-          </a:xfrm>
-        </p:spPr>
-        <p:txBody>
-          <a:bodyPr/>
-          <a:lstStyle/>
-          <a:p>
-            <a:pPr eaLnBrk="1" hangingPunct="1">
-              <a:defRPr/>
-            </a:pPr>
-            <a:r>
-              <a:rPr lang="en-US" sz="3600" dirty="0" smtClean="0">
-                <a:cs typeface="+mj-cs"/>
-              </a:rPr>
-              <a:t>Backup…</a:t>
-            </a:r>
-            <a:endParaRPr lang="en-US" sz="3600" dirty="0" smtClean="0">
-              <a:cs typeface="+mj-cs"/>
-            </a:endParaRPr>
-          </a:p>
-        </p:txBody>
-      </p:sp>
-      <p:sp>
-        <p:nvSpPr>
-          <p:cNvPr id="3" name="Content Placeholder 2"/>
-          <p:cNvSpPr>
-            <a:spLocks noGrp="1"/>
-          </p:cNvSpPr>
-          <p:nvPr>
-            <p:ph idx="1"/>
-          </p:nvPr>
-        </p:nvSpPr>
-        <p:spPr>
-          <a:xfrm>
-            <a:off x="685800" y="1524000"/>
-            <a:ext cx="7772400" cy="4724400"/>
-          </a:xfrm>
-        </p:spPr>
-        <p:txBody>
-          <a:bodyPr/>
-          <a:lstStyle/>
-          <a:p>
-            <a:pPr eaLnBrk="1" hangingPunct="1">
-              <a:defRPr/>
-            </a:pPr>
-            <a:endParaRPr lang="en-US" sz="2400" dirty="0" smtClean="0">
-              <a:cs typeface="+mn-cs"/>
-            </a:endParaRPr>
-          </a:p>
-        </p:txBody>
-      </p:sp>
-      <p:sp>
-        <p:nvSpPr>
           <p:cNvPr id="6" name="Slide Number Placeholder 5"/>
           <p:cNvSpPr>
             <a:spLocks noGrp="1"/>
@@ -15876,72 +15550,6 @@
                 <a:defRPr/>
               </a:pPr>
               <a:t>28</a:t>
-            </a:fld>
-            <a:endParaRPr lang="en-US"/>
-          </a:p>
-        </p:txBody>
-      </p:sp>
-    </p:spTree>
-    <p:extLst>
-      <p:ext uri="{BB962C8B-B14F-4D97-AF65-F5344CB8AC3E}">
-        <p14:creationId xmlns:p14="http://schemas.microsoft.com/office/powerpoint/2010/main" val="474300499"/>
-      </p:ext>
-    </p:extLst>
-  </p:cSld>
-  <p:clrMapOvr>
-    <a:masterClrMapping/>
-  </p:clrMapOvr>
-  <p:timing>
-    <p:tnLst>
-      <p:par>
-        <p:cTn xmlns:p14="http://schemas.microsoft.com/office/powerpoint/2010/main" id="1" dur="indefinite" restart="never" nodeType="tmRoot"/>
-      </p:par>
-    </p:tnLst>
-  </p:timing>
-</p:sld>
-</file>
-
-<file path=ppt/slides/slide29.xml><?xml version="1.0" encoding="utf-8"?>
-<p:sld xmlns:a="http://schemas.openxmlformats.org/drawingml/2006/main" xmlns:r="http://schemas.openxmlformats.org/officeDocument/2006/relationships" xmlns:p="http://schemas.openxmlformats.org/presentationml/2006/main">
-  <p:cSld>
-    <p:spTree>
-      <p:nvGrpSpPr>
-        <p:cNvPr id="1" name=""/>
-        <p:cNvGrpSpPr/>
-        <p:nvPr/>
-      </p:nvGrpSpPr>
-      <p:grpSpPr>
-        <a:xfrm>
-          <a:off x="0" y="0"/>
-          <a:ext cx="0" cy="0"/>
-          <a:chOff x="0" y="0"/>
-          <a:chExt cx="0" cy="0"/>
-        </a:xfrm>
-      </p:grpSpPr>
-      <p:sp>
-        <p:nvSpPr>
-          <p:cNvPr id="6" name="Slide Number Placeholder 5"/>
-          <p:cNvSpPr>
-            <a:spLocks noGrp="1"/>
-          </p:cNvSpPr>
-          <p:nvPr>
-            <p:ph type="sldNum" sz="quarter" idx="12"/>
-          </p:nvPr>
-        </p:nvSpPr>
-        <p:spPr/>
-        <p:txBody>
-          <a:bodyPr/>
-          <a:lstStyle/>
-          <a:p>
-            <a:pPr>
-              <a:defRPr/>
-            </a:pPr>
-            <a:fld id="{A6231DF1-18BD-4C46-9757-72308F5C2B9A}" type="slidenum">
-              <a:rPr lang="en-US"/>
-              <a:pPr>
-                <a:defRPr/>
-              </a:pPr>
-              <a:t>29</a:t>
             </a:fld>
             <a:endParaRPr lang="en-US"/>
           </a:p>
@@ -17385,21 +16993,8 @@
                   <a:srgbClr val="3069A8"/>
                 </a:solidFill>
               </a:rPr>
-              <a:t>i’s </a:t>
-            </a:r>
-            <a:r>
-              <a:rPr lang="en-US" sz="1800" dirty="0" smtClean="0">
-                <a:solidFill>
-                  <a:srgbClr val="3069A8"/>
-                </a:solidFill>
-              </a:rPr>
-              <a:t>optimal bid</a:t>
-            </a:r>
-            <a:endParaRPr lang="en-US" sz="1800" dirty="0" smtClean="0">
-              <a:solidFill>
-                <a:srgbClr val="3069A8"/>
-              </a:solidFill>
-            </a:endParaRPr>
+              <a:t>i’s optimal bid</a:t>
+            </a:r>
           </a:p>
         </p:txBody>
       </p:sp>
@@ -17457,6 +17052,130 @@
     <p:extLst>
       <p:ext uri="{BB962C8B-B14F-4D97-AF65-F5344CB8AC3E}">
         <p14:creationId xmlns:p14="http://schemas.microsoft.com/office/powerpoint/2010/main" val="1564378115"/>
+      </p:ext>
+    </p:extLst>
+  </p:cSld>
+  <p:clrMapOvr>
+    <a:masterClrMapping/>
+  </p:clrMapOvr>
+  <p:timing>
+    <p:tnLst>
+      <p:par>
+        <p:cTn xmlns:p14="http://schemas.microsoft.com/office/powerpoint/2010/main" id="1" dur="indefinite" restart="never" nodeType="tmRoot"/>
+      </p:par>
+    </p:tnLst>
+  </p:timing>
+</p:sld>
+</file>
+
+<file path=ppt/slides/slide29.xml><?xml version="1.0" encoding="utf-8"?>
+<p:sld xmlns:a="http://schemas.openxmlformats.org/drawingml/2006/main" xmlns:r="http://schemas.openxmlformats.org/officeDocument/2006/relationships" xmlns:p="http://schemas.openxmlformats.org/presentationml/2006/main">
+  <p:cSld>
+    <p:spTree>
+      <p:nvGrpSpPr>
+        <p:cNvPr id="1" name=""/>
+        <p:cNvGrpSpPr/>
+        <p:nvPr/>
+      </p:nvGrpSpPr>
+      <p:grpSpPr>
+        <a:xfrm>
+          <a:off x="0" y="0"/>
+          <a:ext cx="0" cy="0"/>
+          <a:chOff x="0" y="0"/>
+          <a:chExt cx="0" cy="0"/>
+        </a:xfrm>
+      </p:grpSpPr>
+      <p:sp>
+        <p:nvSpPr>
+          <p:cNvPr id="2" name="Title 1"/>
+          <p:cNvSpPr>
+            <a:spLocks noGrp="1"/>
+          </p:cNvSpPr>
+          <p:nvPr>
+            <p:ph type="title"/>
+          </p:nvPr>
+        </p:nvSpPr>
+        <p:spPr>
+          <a:xfrm>
+            <a:off x="685800" y="381000"/>
+            <a:ext cx="7772400" cy="1143000"/>
+          </a:xfrm>
+        </p:spPr>
+        <p:txBody>
+          <a:bodyPr/>
+          <a:lstStyle/>
+          <a:p>
+            <a:pPr eaLnBrk="1" hangingPunct="1">
+              <a:defRPr/>
+            </a:pPr>
+            <a:endParaRPr lang="en-US" sz="3600" dirty="0" smtClean="0">
+              <a:cs typeface="+mj-cs"/>
+            </a:endParaRPr>
+          </a:p>
+        </p:txBody>
+      </p:sp>
+      <p:sp>
+        <p:nvSpPr>
+          <p:cNvPr id="3" name="Content Placeholder 2"/>
+          <p:cNvSpPr>
+            <a:spLocks noGrp="1"/>
+          </p:cNvSpPr>
+          <p:nvPr>
+            <p:ph idx="1"/>
+          </p:nvPr>
+        </p:nvSpPr>
+        <p:spPr>
+          <a:xfrm>
+            <a:off x="685800" y="1524000"/>
+            <a:ext cx="7772400" cy="4724400"/>
+          </a:xfrm>
+        </p:spPr>
+        <p:txBody>
+          <a:bodyPr/>
+          <a:lstStyle/>
+          <a:p>
+            <a:pPr eaLnBrk="1" hangingPunct="1">
+              <a:defRPr/>
+            </a:pPr>
+            <a:endParaRPr lang="en-US" sz="2400" dirty="0" smtClean="0">
+              <a:cs typeface="+mn-cs"/>
+            </a:endParaRPr>
+          </a:p>
+        </p:txBody>
+      </p:sp>
+      <p:sp>
+        <p:nvSpPr>
+          <p:cNvPr id="6" name="Slide Number Placeholder 5"/>
+          <p:cNvSpPr>
+            <a:spLocks noGrp="1"/>
+          </p:cNvSpPr>
+          <p:nvPr>
+            <p:ph type="sldNum" sz="quarter" idx="12"/>
+          </p:nvPr>
+        </p:nvSpPr>
+        <p:spPr/>
+        <p:txBody>
+          <a:bodyPr/>
+          <a:lstStyle/>
+          <a:p>
+            <a:pPr>
+              <a:defRPr/>
+            </a:pPr>
+            <a:fld id="{A6231DF1-18BD-4C46-9757-72308F5C2B9A}" type="slidenum">
+              <a:rPr lang="en-US"/>
+              <a:pPr>
+                <a:defRPr/>
+              </a:pPr>
+              <a:t>29</a:t>
+            </a:fld>
+            <a:endParaRPr lang="en-US"/>
+          </a:p>
+        </p:txBody>
+      </p:sp>
+    </p:spTree>
+    <p:extLst>
+      <p:ext uri="{BB962C8B-B14F-4D97-AF65-F5344CB8AC3E}">
+        <p14:creationId xmlns:p14="http://schemas.microsoft.com/office/powerpoint/2010/main" val="2094073061"/>
       </p:ext>
     </p:extLst>
   </p:cSld>
@@ -17519,9 +17238,6 @@
               </a:rPr>
               <a:t>Run-2 will be harder</a:t>
             </a:r>
-            <a:endParaRPr lang="en-US" sz="3600" dirty="0" smtClean="0">
-              <a:cs typeface="+mj-cs"/>
-            </a:endParaRPr>
           </a:p>
         </p:txBody>
       </p:sp>
@@ -17704,874 +17420,6 @@
     <p:extLst>
       <p:ext uri="{BB962C8B-B14F-4D97-AF65-F5344CB8AC3E}">
         <p14:creationId xmlns:p14="http://schemas.microsoft.com/office/powerpoint/2010/main" val="416549755"/>
-      </p:ext>
-    </p:extLst>
-  </p:cSld>
-  <p:clrMapOvr>
-    <a:masterClrMapping/>
-  </p:clrMapOvr>
-  <p:timing>
-    <p:tnLst>
-      <p:par>
-        <p:cTn xmlns:p14="http://schemas.microsoft.com/office/powerpoint/2010/main" id="1" dur="indefinite" restart="never" nodeType="tmRoot"/>
-      </p:par>
-    </p:tnLst>
-  </p:timing>
-</p:sld>
-</file>
-
-<file path=ppt/slides/slide30.xml><?xml version="1.0" encoding="utf-8"?>
-<p:sld xmlns:a="http://schemas.openxmlformats.org/drawingml/2006/main" xmlns:r="http://schemas.openxmlformats.org/officeDocument/2006/relationships" xmlns:p="http://schemas.openxmlformats.org/presentationml/2006/main">
-  <p:cSld>
-    <p:spTree>
-      <p:nvGrpSpPr>
-        <p:cNvPr id="1" name=""/>
-        <p:cNvGrpSpPr/>
-        <p:nvPr/>
-      </p:nvGrpSpPr>
-      <p:grpSpPr>
-        <a:xfrm>
-          <a:off x="0" y="0"/>
-          <a:ext cx="0" cy="0"/>
-          <a:chOff x="0" y="0"/>
-          <a:chExt cx="0" cy="0"/>
-        </a:xfrm>
-      </p:grpSpPr>
-      <p:sp>
-        <p:nvSpPr>
-          <p:cNvPr id="2" name="Title 1"/>
-          <p:cNvSpPr>
-            <a:spLocks noGrp="1"/>
-          </p:cNvSpPr>
-          <p:nvPr>
-            <p:ph type="title"/>
-          </p:nvPr>
-        </p:nvSpPr>
-        <p:spPr>
-          <a:xfrm>
-            <a:off x="685800" y="381000"/>
-            <a:ext cx="7772400" cy="1143000"/>
-          </a:xfrm>
-        </p:spPr>
-        <p:txBody>
-          <a:bodyPr/>
-          <a:lstStyle/>
-          <a:p>
-            <a:pPr eaLnBrk="1" hangingPunct="1">
-              <a:defRPr/>
-            </a:pPr>
-            <a:endParaRPr lang="en-US" sz="3600" dirty="0" smtClean="0">
-              <a:cs typeface="+mj-cs"/>
-            </a:endParaRPr>
-          </a:p>
-        </p:txBody>
-      </p:sp>
-      <p:sp>
-        <p:nvSpPr>
-          <p:cNvPr id="3" name="Content Placeholder 2"/>
-          <p:cNvSpPr>
-            <a:spLocks noGrp="1"/>
-          </p:cNvSpPr>
-          <p:nvPr>
-            <p:ph idx="1"/>
-          </p:nvPr>
-        </p:nvSpPr>
-        <p:spPr>
-          <a:xfrm>
-            <a:off x="685800" y="1524000"/>
-            <a:ext cx="7772400" cy="4724400"/>
-          </a:xfrm>
-        </p:spPr>
-        <p:txBody>
-          <a:bodyPr/>
-          <a:lstStyle/>
-          <a:p>
-            <a:pPr eaLnBrk="1" hangingPunct="1">
-              <a:defRPr/>
-            </a:pPr>
-            <a:endParaRPr lang="en-US" sz="2400" dirty="0" smtClean="0">
-              <a:cs typeface="+mn-cs"/>
-            </a:endParaRPr>
-          </a:p>
-        </p:txBody>
-      </p:sp>
-      <p:sp>
-        <p:nvSpPr>
-          <p:cNvPr id="6" name="Slide Number Placeholder 5"/>
-          <p:cNvSpPr>
-            <a:spLocks noGrp="1"/>
-          </p:cNvSpPr>
-          <p:nvPr>
-            <p:ph type="sldNum" sz="quarter" idx="12"/>
-          </p:nvPr>
-        </p:nvSpPr>
-        <p:spPr/>
-        <p:txBody>
-          <a:bodyPr/>
-          <a:lstStyle/>
-          <a:p>
-            <a:pPr>
-              <a:defRPr/>
-            </a:pPr>
-            <a:fld id="{A6231DF1-18BD-4C46-9757-72308F5C2B9A}" type="slidenum">
-              <a:rPr lang="en-US"/>
-              <a:pPr>
-                <a:defRPr/>
-              </a:pPr>
-              <a:t>30</a:t>
-            </a:fld>
-            <a:endParaRPr lang="en-US"/>
-          </a:p>
-        </p:txBody>
-      </p:sp>
-    </p:spTree>
-    <p:extLst>
-      <p:ext uri="{BB962C8B-B14F-4D97-AF65-F5344CB8AC3E}">
-        <p14:creationId xmlns:p14="http://schemas.microsoft.com/office/powerpoint/2010/main" val="2094073061"/>
-      </p:ext>
-    </p:extLst>
-  </p:cSld>
-  <p:clrMapOvr>
-    <a:masterClrMapping/>
-  </p:clrMapOvr>
-  <p:timing>
-    <p:tnLst>
-      <p:par>
-        <p:cTn xmlns:p14="http://schemas.microsoft.com/office/powerpoint/2010/main" id="1" dur="indefinite" restart="never" nodeType="tmRoot"/>
-      </p:par>
-    </p:tnLst>
-  </p:timing>
-</p:sld>
-</file>
-
-<file path=ppt/slides/slide31.xml><?xml version="1.0" encoding="utf-8"?>
-<p:sld xmlns:a="http://schemas.openxmlformats.org/drawingml/2006/main" xmlns:r="http://schemas.openxmlformats.org/officeDocument/2006/relationships" xmlns:p="http://schemas.openxmlformats.org/presentationml/2006/main">
-  <p:cSld>
-    <p:spTree>
-      <p:nvGrpSpPr>
-        <p:cNvPr id="1" name=""/>
-        <p:cNvGrpSpPr/>
-        <p:nvPr/>
-      </p:nvGrpSpPr>
-      <p:grpSpPr>
-        <a:xfrm>
-          <a:off x="0" y="0"/>
-          <a:ext cx="0" cy="0"/>
-          <a:chOff x="0" y="0"/>
-          <a:chExt cx="0" cy="0"/>
-        </a:xfrm>
-      </p:grpSpPr>
-      <p:sp>
-        <p:nvSpPr>
-          <p:cNvPr id="2" name="Title 1"/>
-          <p:cNvSpPr>
-            <a:spLocks noGrp="1"/>
-          </p:cNvSpPr>
-          <p:nvPr>
-            <p:ph type="title"/>
-          </p:nvPr>
-        </p:nvSpPr>
-        <p:spPr>
-          <a:xfrm>
-            <a:off x="685800" y="381000"/>
-            <a:ext cx="7772400" cy="1143000"/>
-          </a:xfrm>
-        </p:spPr>
-        <p:txBody>
-          <a:bodyPr/>
-          <a:lstStyle/>
-          <a:p>
-            <a:pPr eaLnBrk="1" hangingPunct="1">
-              <a:defRPr/>
-            </a:pPr>
-            <a:endParaRPr lang="en-US" sz="3600" dirty="0" smtClean="0">
-              <a:cs typeface="+mj-cs"/>
-            </a:endParaRPr>
-          </a:p>
-        </p:txBody>
-      </p:sp>
-      <p:sp>
-        <p:nvSpPr>
-          <p:cNvPr id="3" name="Content Placeholder 2"/>
-          <p:cNvSpPr>
-            <a:spLocks noGrp="1"/>
-          </p:cNvSpPr>
-          <p:nvPr>
-            <p:ph idx="1"/>
-          </p:nvPr>
-        </p:nvSpPr>
-        <p:spPr>
-          <a:xfrm>
-            <a:off x="685800" y="1524000"/>
-            <a:ext cx="7772400" cy="4724400"/>
-          </a:xfrm>
-        </p:spPr>
-        <p:txBody>
-          <a:bodyPr/>
-          <a:lstStyle/>
-          <a:p>
-            <a:pPr eaLnBrk="1" hangingPunct="1">
-              <a:defRPr/>
-            </a:pPr>
-            <a:endParaRPr lang="en-US" sz="2400" dirty="0" smtClean="0">
-              <a:cs typeface="+mn-cs"/>
-            </a:endParaRPr>
-          </a:p>
-        </p:txBody>
-      </p:sp>
-      <p:sp>
-        <p:nvSpPr>
-          <p:cNvPr id="6" name="Slide Number Placeholder 5"/>
-          <p:cNvSpPr>
-            <a:spLocks noGrp="1"/>
-          </p:cNvSpPr>
-          <p:nvPr>
-            <p:ph type="sldNum" sz="quarter" idx="12"/>
-          </p:nvPr>
-        </p:nvSpPr>
-        <p:spPr/>
-        <p:txBody>
-          <a:bodyPr/>
-          <a:lstStyle/>
-          <a:p>
-            <a:pPr>
-              <a:defRPr/>
-            </a:pPr>
-            <a:fld id="{A6231DF1-18BD-4C46-9757-72308F5C2B9A}" type="slidenum">
-              <a:rPr lang="en-US"/>
-              <a:pPr>
-                <a:defRPr/>
-              </a:pPr>
-              <a:t>31</a:t>
-            </a:fld>
-            <a:endParaRPr lang="en-US"/>
-          </a:p>
-        </p:txBody>
-      </p:sp>
-    </p:spTree>
-    <p:extLst>
-      <p:ext uri="{BB962C8B-B14F-4D97-AF65-F5344CB8AC3E}">
-        <p14:creationId xmlns:p14="http://schemas.microsoft.com/office/powerpoint/2010/main" val="48614342"/>
-      </p:ext>
-    </p:extLst>
-  </p:cSld>
-  <p:clrMapOvr>
-    <a:masterClrMapping/>
-  </p:clrMapOvr>
-  <p:timing>
-    <p:tnLst>
-      <p:par>
-        <p:cTn xmlns:p14="http://schemas.microsoft.com/office/powerpoint/2010/main" id="1" dur="indefinite" restart="never" nodeType="tmRoot"/>
-      </p:par>
-    </p:tnLst>
-  </p:timing>
-</p:sld>
-</file>
-
-<file path=ppt/slides/slide32.xml><?xml version="1.0" encoding="utf-8"?>
-<p:sld xmlns:a="http://schemas.openxmlformats.org/drawingml/2006/main" xmlns:r="http://schemas.openxmlformats.org/officeDocument/2006/relationships" xmlns:p="http://schemas.openxmlformats.org/presentationml/2006/main">
-  <p:cSld>
-    <p:spTree>
-      <p:nvGrpSpPr>
-        <p:cNvPr id="1" name=""/>
-        <p:cNvGrpSpPr/>
-        <p:nvPr/>
-      </p:nvGrpSpPr>
-      <p:grpSpPr>
-        <a:xfrm>
-          <a:off x="0" y="0"/>
-          <a:ext cx="0" cy="0"/>
-          <a:chOff x="0" y="0"/>
-          <a:chExt cx="0" cy="0"/>
-        </a:xfrm>
-      </p:grpSpPr>
-      <p:sp>
-        <p:nvSpPr>
-          <p:cNvPr id="2" name="Title 1"/>
-          <p:cNvSpPr>
-            <a:spLocks noGrp="1"/>
-          </p:cNvSpPr>
-          <p:nvPr>
-            <p:ph type="title"/>
-          </p:nvPr>
-        </p:nvSpPr>
-        <p:spPr>
-          <a:xfrm>
-            <a:off x="685800" y="381000"/>
-            <a:ext cx="7772400" cy="1143000"/>
-          </a:xfrm>
-        </p:spPr>
-        <p:txBody>
-          <a:bodyPr/>
-          <a:lstStyle/>
-          <a:p>
-            <a:pPr eaLnBrk="1" hangingPunct="1">
-              <a:defRPr/>
-            </a:pPr>
-            <a:endParaRPr lang="en-US" sz="3600" dirty="0" smtClean="0">
-              <a:cs typeface="+mj-cs"/>
-            </a:endParaRPr>
-          </a:p>
-        </p:txBody>
-      </p:sp>
-      <p:sp>
-        <p:nvSpPr>
-          <p:cNvPr id="3" name="Content Placeholder 2"/>
-          <p:cNvSpPr>
-            <a:spLocks noGrp="1"/>
-          </p:cNvSpPr>
-          <p:nvPr>
-            <p:ph idx="1"/>
-          </p:nvPr>
-        </p:nvSpPr>
-        <p:spPr>
-          <a:xfrm>
-            <a:off x="685800" y="1524000"/>
-            <a:ext cx="7772400" cy="4724400"/>
-          </a:xfrm>
-        </p:spPr>
-        <p:txBody>
-          <a:bodyPr/>
-          <a:lstStyle/>
-          <a:p>
-            <a:pPr eaLnBrk="1" hangingPunct="1">
-              <a:defRPr/>
-            </a:pPr>
-            <a:endParaRPr lang="en-US" sz="2400" dirty="0" smtClean="0">
-              <a:cs typeface="+mn-cs"/>
-            </a:endParaRPr>
-          </a:p>
-        </p:txBody>
-      </p:sp>
-      <p:sp>
-        <p:nvSpPr>
-          <p:cNvPr id="6" name="Slide Number Placeholder 5"/>
-          <p:cNvSpPr>
-            <a:spLocks noGrp="1"/>
-          </p:cNvSpPr>
-          <p:nvPr>
-            <p:ph type="sldNum" sz="quarter" idx="12"/>
-          </p:nvPr>
-        </p:nvSpPr>
-        <p:spPr/>
-        <p:txBody>
-          <a:bodyPr/>
-          <a:lstStyle/>
-          <a:p>
-            <a:pPr>
-              <a:defRPr/>
-            </a:pPr>
-            <a:fld id="{A6231DF1-18BD-4C46-9757-72308F5C2B9A}" type="slidenum">
-              <a:rPr lang="en-US"/>
-              <a:pPr>
-                <a:defRPr/>
-              </a:pPr>
-              <a:t>32</a:t>
-            </a:fld>
-            <a:endParaRPr lang="en-US"/>
-          </a:p>
-        </p:txBody>
-      </p:sp>
-    </p:spTree>
-    <p:extLst>
-      <p:ext uri="{BB962C8B-B14F-4D97-AF65-F5344CB8AC3E}">
-        <p14:creationId xmlns:p14="http://schemas.microsoft.com/office/powerpoint/2010/main" val="2049198042"/>
-      </p:ext>
-    </p:extLst>
-  </p:cSld>
-  <p:clrMapOvr>
-    <a:masterClrMapping/>
-  </p:clrMapOvr>
-  <p:timing>
-    <p:tnLst>
-      <p:par>
-        <p:cTn xmlns:p14="http://schemas.microsoft.com/office/powerpoint/2010/main" id="1" dur="indefinite" restart="never" nodeType="tmRoot"/>
-      </p:par>
-    </p:tnLst>
-  </p:timing>
-</p:sld>
-</file>
-
-<file path=ppt/slides/slide33.xml><?xml version="1.0" encoding="utf-8"?>
-<p:sld xmlns:a="http://schemas.openxmlformats.org/drawingml/2006/main" xmlns:r="http://schemas.openxmlformats.org/officeDocument/2006/relationships" xmlns:p="http://schemas.openxmlformats.org/presentationml/2006/main">
-  <p:cSld>
-    <p:spTree>
-      <p:nvGrpSpPr>
-        <p:cNvPr id="1" name=""/>
-        <p:cNvGrpSpPr/>
-        <p:nvPr/>
-      </p:nvGrpSpPr>
-      <p:grpSpPr>
-        <a:xfrm>
-          <a:off x="0" y="0"/>
-          <a:ext cx="0" cy="0"/>
-          <a:chOff x="0" y="0"/>
-          <a:chExt cx="0" cy="0"/>
-        </a:xfrm>
-      </p:grpSpPr>
-      <p:sp>
-        <p:nvSpPr>
-          <p:cNvPr id="2" name="Title 1"/>
-          <p:cNvSpPr>
-            <a:spLocks noGrp="1"/>
-          </p:cNvSpPr>
-          <p:nvPr>
-            <p:ph type="title"/>
-          </p:nvPr>
-        </p:nvSpPr>
-        <p:spPr>
-          <a:xfrm>
-            <a:off x="685800" y="381000"/>
-            <a:ext cx="7772400" cy="1143000"/>
-          </a:xfrm>
-        </p:spPr>
-        <p:txBody>
-          <a:bodyPr/>
-          <a:lstStyle/>
-          <a:p>
-            <a:pPr eaLnBrk="1" hangingPunct="1">
-              <a:defRPr/>
-            </a:pPr>
-            <a:endParaRPr lang="en-US" sz="3600" dirty="0" smtClean="0">
-              <a:cs typeface="+mj-cs"/>
-            </a:endParaRPr>
-          </a:p>
-        </p:txBody>
-      </p:sp>
-      <p:sp>
-        <p:nvSpPr>
-          <p:cNvPr id="3" name="Content Placeholder 2"/>
-          <p:cNvSpPr>
-            <a:spLocks noGrp="1"/>
-          </p:cNvSpPr>
-          <p:nvPr>
-            <p:ph idx="1"/>
-          </p:nvPr>
-        </p:nvSpPr>
-        <p:spPr>
-          <a:xfrm>
-            <a:off x="685800" y="1524000"/>
-            <a:ext cx="7772400" cy="4724400"/>
-          </a:xfrm>
-        </p:spPr>
-        <p:txBody>
-          <a:bodyPr/>
-          <a:lstStyle/>
-          <a:p>
-            <a:pPr eaLnBrk="1" hangingPunct="1">
-              <a:defRPr/>
-            </a:pPr>
-            <a:endParaRPr lang="en-US" sz="2400" dirty="0" smtClean="0">
-              <a:cs typeface="+mn-cs"/>
-            </a:endParaRPr>
-          </a:p>
-        </p:txBody>
-      </p:sp>
-      <p:sp>
-        <p:nvSpPr>
-          <p:cNvPr id="6" name="Slide Number Placeholder 5"/>
-          <p:cNvSpPr>
-            <a:spLocks noGrp="1"/>
-          </p:cNvSpPr>
-          <p:nvPr>
-            <p:ph type="sldNum" sz="quarter" idx="12"/>
-          </p:nvPr>
-        </p:nvSpPr>
-        <p:spPr/>
-        <p:txBody>
-          <a:bodyPr/>
-          <a:lstStyle/>
-          <a:p>
-            <a:pPr>
-              <a:defRPr/>
-            </a:pPr>
-            <a:fld id="{A6231DF1-18BD-4C46-9757-72308F5C2B9A}" type="slidenum">
-              <a:rPr lang="en-US"/>
-              <a:pPr>
-                <a:defRPr/>
-              </a:pPr>
-              <a:t>33</a:t>
-            </a:fld>
-            <a:endParaRPr lang="en-US"/>
-          </a:p>
-        </p:txBody>
-      </p:sp>
-    </p:spTree>
-    <p:extLst>
-      <p:ext uri="{BB962C8B-B14F-4D97-AF65-F5344CB8AC3E}">
-        <p14:creationId xmlns:p14="http://schemas.microsoft.com/office/powerpoint/2010/main" val="315840190"/>
-      </p:ext>
-    </p:extLst>
-  </p:cSld>
-  <p:clrMapOvr>
-    <a:masterClrMapping/>
-  </p:clrMapOvr>
-  <p:timing>
-    <p:tnLst>
-      <p:par>
-        <p:cTn xmlns:p14="http://schemas.microsoft.com/office/powerpoint/2010/main" id="1" dur="indefinite" restart="never" nodeType="tmRoot"/>
-      </p:par>
-    </p:tnLst>
-  </p:timing>
-</p:sld>
-</file>
-
-<file path=ppt/slides/slide34.xml><?xml version="1.0" encoding="utf-8"?>
-<p:sld xmlns:a="http://schemas.openxmlformats.org/drawingml/2006/main" xmlns:r="http://schemas.openxmlformats.org/officeDocument/2006/relationships" xmlns:p="http://schemas.openxmlformats.org/presentationml/2006/main">
-  <p:cSld>
-    <p:spTree>
-      <p:nvGrpSpPr>
-        <p:cNvPr id="1" name=""/>
-        <p:cNvGrpSpPr/>
-        <p:nvPr/>
-      </p:nvGrpSpPr>
-      <p:grpSpPr>
-        <a:xfrm>
-          <a:off x="0" y="0"/>
-          <a:ext cx="0" cy="0"/>
-          <a:chOff x="0" y="0"/>
-          <a:chExt cx="0" cy="0"/>
-        </a:xfrm>
-      </p:grpSpPr>
-      <p:sp>
-        <p:nvSpPr>
-          <p:cNvPr id="2" name="Title 1"/>
-          <p:cNvSpPr>
-            <a:spLocks noGrp="1"/>
-          </p:cNvSpPr>
-          <p:nvPr>
-            <p:ph type="title"/>
-          </p:nvPr>
-        </p:nvSpPr>
-        <p:spPr>
-          <a:xfrm>
-            <a:off x="685800" y="381000"/>
-            <a:ext cx="7772400" cy="1143000"/>
-          </a:xfrm>
-        </p:spPr>
-        <p:txBody>
-          <a:bodyPr/>
-          <a:lstStyle/>
-          <a:p>
-            <a:pPr eaLnBrk="1" hangingPunct="1">
-              <a:defRPr/>
-            </a:pPr>
-            <a:endParaRPr lang="en-US" sz="3600" dirty="0" smtClean="0">
-              <a:cs typeface="+mj-cs"/>
-            </a:endParaRPr>
-          </a:p>
-        </p:txBody>
-      </p:sp>
-      <p:sp>
-        <p:nvSpPr>
-          <p:cNvPr id="3" name="Content Placeholder 2"/>
-          <p:cNvSpPr>
-            <a:spLocks noGrp="1"/>
-          </p:cNvSpPr>
-          <p:nvPr>
-            <p:ph idx="1"/>
-          </p:nvPr>
-        </p:nvSpPr>
-        <p:spPr>
-          <a:xfrm>
-            <a:off x="685800" y="1524000"/>
-            <a:ext cx="7772400" cy="4724400"/>
-          </a:xfrm>
-        </p:spPr>
-        <p:txBody>
-          <a:bodyPr/>
-          <a:lstStyle/>
-          <a:p>
-            <a:pPr eaLnBrk="1" hangingPunct="1">
-              <a:defRPr/>
-            </a:pPr>
-            <a:endParaRPr lang="en-US" sz="2400" dirty="0" smtClean="0">
-              <a:cs typeface="+mn-cs"/>
-            </a:endParaRPr>
-          </a:p>
-        </p:txBody>
-      </p:sp>
-      <p:sp>
-        <p:nvSpPr>
-          <p:cNvPr id="6" name="Slide Number Placeholder 5"/>
-          <p:cNvSpPr>
-            <a:spLocks noGrp="1"/>
-          </p:cNvSpPr>
-          <p:nvPr>
-            <p:ph type="sldNum" sz="quarter" idx="12"/>
-          </p:nvPr>
-        </p:nvSpPr>
-        <p:spPr/>
-        <p:txBody>
-          <a:bodyPr/>
-          <a:lstStyle/>
-          <a:p>
-            <a:pPr>
-              <a:defRPr/>
-            </a:pPr>
-            <a:fld id="{A6231DF1-18BD-4C46-9757-72308F5C2B9A}" type="slidenum">
-              <a:rPr lang="en-US"/>
-              <a:pPr>
-                <a:defRPr/>
-              </a:pPr>
-              <a:t>34</a:t>
-            </a:fld>
-            <a:endParaRPr lang="en-US"/>
-          </a:p>
-        </p:txBody>
-      </p:sp>
-    </p:spTree>
-    <p:extLst>
-      <p:ext uri="{BB962C8B-B14F-4D97-AF65-F5344CB8AC3E}">
-        <p14:creationId xmlns:p14="http://schemas.microsoft.com/office/powerpoint/2010/main" val="2486754613"/>
-      </p:ext>
-    </p:extLst>
-  </p:cSld>
-  <p:clrMapOvr>
-    <a:masterClrMapping/>
-  </p:clrMapOvr>
-  <p:timing>
-    <p:tnLst>
-      <p:par>
-        <p:cTn xmlns:p14="http://schemas.microsoft.com/office/powerpoint/2010/main" id="1" dur="indefinite" restart="never" nodeType="tmRoot"/>
-      </p:par>
-    </p:tnLst>
-  </p:timing>
-</p:sld>
-</file>
-
-<file path=ppt/slides/slide35.xml><?xml version="1.0" encoding="utf-8"?>
-<p:sld xmlns:a="http://schemas.openxmlformats.org/drawingml/2006/main" xmlns:r="http://schemas.openxmlformats.org/officeDocument/2006/relationships" xmlns:p="http://schemas.openxmlformats.org/presentationml/2006/main">
-  <p:cSld>
-    <p:spTree>
-      <p:nvGrpSpPr>
-        <p:cNvPr id="1" name=""/>
-        <p:cNvGrpSpPr/>
-        <p:nvPr/>
-      </p:nvGrpSpPr>
-      <p:grpSpPr>
-        <a:xfrm>
-          <a:off x="0" y="0"/>
-          <a:ext cx="0" cy="0"/>
-          <a:chOff x="0" y="0"/>
-          <a:chExt cx="0" cy="0"/>
-        </a:xfrm>
-      </p:grpSpPr>
-      <p:sp>
-        <p:nvSpPr>
-          <p:cNvPr id="2" name="Title 1"/>
-          <p:cNvSpPr>
-            <a:spLocks noGrp="1"/>
-          </p:cNvSpPr>
-          <p:nvPr>
-            <p:ph type="title"/>
-          </p:nvPr>
-        </p:nvSpPr>
-        <p:spPr>
-          <a:xfrm>
-            <a:off x="685800" y="381000"/>
-            <a:ext cx="7772400" cy="1143000"/>
-          </a:xfrm>
-        </p:spPr>
-        <p:txBody>
-          <a:bodyPr/>
-          <a:lstStyle/>
-          <a:p>
-            <a:pPr eaLnBrk="1" hangingPunct="1">
-              <a:defRPr/>
-            </a:pPr>
-            <a:endParaRPr lang="en-US" sz="3600" dirty="0" smtClean="0">
-              <a:cs typeface="+mj-cs"/>
-            </a:endParaRPr>
-          </a:p>
-        </p:txBody>
-      </p:sp>
-      <p:sp>
-        <p:nvSpPr>
-          <p:cNvPr id="3" name="Content Placeholder 2"/>
-          <p:cNvSpPr>
-            <a:spLocks noGrp="1"/>
-          </p:cNvSpPr>
-          <p:nvPr>
-            <p:ph idx="1"/>
-          </p:nvPr>
-        </p:nvSpPr>
-        <p:spPr>
-          <a:xfrm>
-            <a:off x="685800" y="1524000"/>
-            <a:ext cx="7772400" cy="4724400"/>
-          </a:xfrm>
-        </p:spPr>
-        <p:txBody>
-          <a:bodyPr/>
-          <a:lstStyle/>
-          <a:p>
-            <a:pPr eaLnBrk="1" hangingPunct="1">
-              <a:defRPr/>
-            </a:pPr>
-            <a:endParaRPr lang="en-US" sz="2400" dirty="0" smtClean="0">
-              <a:cs typeface="+mn-cs"/>
-            </a:endParaRPr>
-          </a:p>
-        </p:txBody>
-      </p:sp>
-      <p:sp>
-        <p:nvSpPr>
-          <p:cNvPr id="6" name="Slide Number Placeholder 5"/>
-          <p:cNvSpPr>
-            <a:spLocks noGrp="1"/>
-          </p:cNvSpPr>
-          <p:nvPr>
-            <p:ph type="sldNum" sz="quarter" idx="12"/>
-          </p:nvPr>
-        </p:nvSpPr>
-        <p:spPr/>
-        <p:txBody>
-          <a:bodyPr/>
-          <a:lstStyle/>
-          <a:p>
-            <a:pPr>
-              <a:defRPr/>
-            </a:pPr>
-            <a:fld id="{A6231DF1-18BD-4C46-9757-72308F5C2B9A}" type="slidenum">
-              <a:rPr lang="en-US"/>
-              <a:pPr>
-                <a:defRPr/>
-              </a:pPr>
-              <a:t>35</a:t>
-            </a:fld>
-            <a:endParaRPr lang="en-US"/>
-          </a:p>
-        </p:txBody>
-      </p:sp>
-    </p:spTree>
-    <p:extLst>
-      <p:ext uri="{BB962C8B-B14F-4D97-AF65-F5344CB8AC3E}">
-        <p14:creationId xmlns:p14="http://schemas.microsoft.com/office/powerpoint/2010/main" val="106992324"/>
-      </p:ext>
-    </p:extLst>
-  </p:cSld>
-  <p:clrMapOvr>
-    <a:masterClrMapping/>
-  </p:clrMapOvr>
-  <p:timing>
-    <p:tnLst>
-      <p:par>
-        <p:cTn xmlns:p14="http://schemas.microsoft.com/office/powerpoint/2010/main" id="1" dur="indefinite" restart="never" nodeType="tmRoot"/>
-      </p:par>
-    </p:tnLst>
-  </p:timing>
-</p:sld>
-</file>
-
-<file path=ppt/slides/slide36.xml><?xml version="1.0" encoding="utf-8"?>
-<p:sld xmlns:a="http://schemas.openxmlformats.org/drawingml/2006/main" xmlns:r="http://schemas.openxmlformats.org/officeDocument/2006/relationships" xmlns:p="http://schemas.openxmlformats.org/presentationml/2006/main">
-  <p:cSld>
-    <p:spTree>
-      <p:nvGrpSpPr>
-        <p:cNvPr id="1" name=""/>
-        <p:cNvGrpSpPr/>
-        <p:nvPr/>
-      </p:nvGrpSpPr>
-      <p:grpSpPr>
-        <a:xfrm>
-          <a:off x="0" y="0"/>
-          <a:ext cx="0" cy="0"/>
-          <a:chOff x="0" y="0"/>
-          <a:chExt cx="0" cy="0"/>
-        </a:xfrm>
-      </p:grpSpPr>
-      <p:sp>
-        <p:nvSpPr>
-          <p:cNvPr id="2" name="Title 1"/>
-          <p:cNvSpPr>
-            <a:spLocks noGrp="1"/>
-          </p:cNvSpPr>
-          <p:nvPr>
-            <p:ph type="title"/>
-          </p:nvPr>
-        </p:nvSpPr>
-        <p:spPr>
-          <a:xfrm>
-            <a:off x="685800" y="381000"/>
-            <a:ext cx="7772400" cy="1143000"/>
-          </a:xfrm>
-        </p:spPr>
-        <p:txBody>
-          <a:bodyPr/>
-          <a:lstStyle/>
-          <a:p>
-            <a:pPr eaLnBrk="1" hangingPunct="1">
-              <a:defRPr/>
-            </a:pPr>
-            <a:endParaRPr lang="en-US" sz="3600" dirty="0" smtClean="0">
-              <a:cs typeface="+mj-cs"/>
-            </a:endParaRPr>
-          </a:p>
-        </p:txBody>
-      </p:sp>
-      <p:sp>
-        <p:nvSpPr>
-          <p:cNvPr id="3" name="Content Placeholder 2"/>
-          <p:cNvSpPr>
-            <a:spLocks noGrp="1"/>
-          </p:cNvSpPr>
-          <p:nvPr>
-            <p:ph idx="1"/>
-          </p:nvPr>
-        </p:nvSpPr>
-        <p:spPr>
-          <a:xfrm>
-            <a:off x="685800" y="1524000"/>
-            <a:ext cx="7772400" cy="4724400"/>
-          </a:xfrm>
-        </p:spPr>
-        <p:txBody>
-          <a:bodyPr/>
-          <a:lstStyle/>
-          <a:p>
-            <a:pPr eaLnBrk="1" hangingPunct="1">
-              <a:defRPr/>
-            </a:pPr>
-            <a:endParaRPr lang="en-US" sz="2400" dirty="0" smtClean="0">
-              <a:cs typeface="+mn-cs"/>
-            </a:endParaRPr>
-          </a:p>
-        </p:txBody>
-      </p:sp>
-      <p:sp>
-        <p:nvSpPr>
-          <p:cNvPr id="6" name="Slide Number Placeholder 5"/>
-          <p:cNvSpPr>
-            <a:spLocks noGrp="1"/>
-          </p:cNvSpPr>
-          <p:nvPr>
-            <p:ph type="sldNum" sz="quarter" idx="12"/>
-          </p:nvPr>
-        </p:nvSpPr>
-        <p:spPr/>
-        <p:txBody>
-          <a:bodyPr/>
-          <a:lstStyle/>
-          <a:p>
-            <a:pPr>
-              <a:defRPr/>
-            </a:pPr>
-            <a:fld id="{A6231DF1-18BD-4C46-9757-72308F5C2B9A}" type="slidenum">
-              <a:rPr lang="en-US"/>
-              <a:pPr>
-                <a:defRPr/>
-              </a:pPr>
-              <a:t>36</a:t>
-            </a:fld>
-            <a:endParaRPr lang="en-US"/>
-          </a:p>
-        </p:txBody>
-      </p:sp>
-    </p:spTree>
-    <p:extLst>
-      <p:ext uri="{BB962C8B-B14F-4D97-AF65-F5344CB8AC3E}">
-        <p14:creationId xmlns:p14="http://schemas.microsoft.com/office/powerpoint/2010/main" val="2612597595"/>
       </p:ext>
     </p:extLst>
   </p:cSld>
@@ -18634,9 +17482,6 @@
               </a:rPr>
               <a:t>So what’s the problem?</a:t>
             </a:r>
-            <a:endParaRPr lang="en-US" sz="3600" dirty="0" smtClean="0">
-              <a:cs typeface="+mj-cs"/>
-            </a:endParaRPr>
           </a:p>
         </p:txBody>
       </p:sp>
@@ -18734,13 +17579,7 @@
               <a:rPr lang="en-US" sz="2800" dirty="0" smtClean="0">
                 <a:cs typeface="+mn-cs"/>
               </a:rPr>
-              <a:t>Can see the value </a:t>
-            </a:r>
-            <a:r>
-              <a:rPr lang="en-US" sz="2800" dirty="0" smtClean="0">
-                <a:cs typeface="+mn-cs"/>
-              </a:rPr>
-              <a:t>of scheduling network use</a:t>
+              <a:t>Can see the value of scheduling network use</a:t>
             </a:r>
           </a:p>
           <a:p>
@@ -18874,9 +17713,6 @@
               </a:rPr>
               <a:t>What are the solutions?</a:t>
             </a:r>
-            <a:endParaRPr lang="en-US" sz="3600" dirty="0" smtClean="0">
-              <a:cs typeface="+mj-cs"/>
-            </a:endParaRPr>
           </a:p>
         </p:txBody>
       </p:sp>
@@ -18942,9 +17778,6 @@
               </a:rPr>
               <a:t>Networking groups are making progress towards a technical solution</a:t>
             </a:r>
-            <a:endParaRPr lang="en-US" sz="2400" dirty="0" smtClean="0">
-              <a:cs typeface="+mn-cs"/>
-            </a:endParaRPr>
           </a:p>
           <a:p>
             <a:pPr lvl="1" eaLnBrk="1" hangingPunct="1">
@@ -18962,9 +17795,6 @@
               </a:rPr>
               <a:t>uccessful middleware, phase 1: make it possible</a:t>
             </a:r>
-            <a:endParaRPr lang="en-US" sz="2400" dirty="0" smtClean="0">
-              <a:cs typeface="+mn-cs"/>
-            </a:endParaRPr>
           </a:p>
           <a:p>
             <a:pPr eaLnBrk="1" hangingPunct="1">
@@ -19204,23 +18034,20 @@
               <a:rPr lang="en-US" sz="3600" dirty="0" smtClean="0">
                 <a:cs typeface="+mj-cs"/>
               </a:rPr>
-              <a:t>How not to share </a:t>
-            </a:r>
-            <a:r>
-              <a:rPr lang="en-US" sz="3600" dirty="0" err="1" smtClean="0">
+              <a:t>How </a:t>
+            </a:r>
+            <a:r>
+              <a:rPr lang="en-US" sz="3600" i="1" dirty="0" smtClean="0">
                 <a:cs typeface="+mj-cs"/>
               </a:rPr>
-              <a:t>bandwith</a:t>
+              <a:t>not</a:t>
             </a:r>
             <a:r>
               <a:rPr lang="en-US" sz="3600" dirty="0" smtClean="0">
                 <a:cs typeface="+mj-cs"/>
               </a:rPr>
-              <a:t> fairly?</a:t>
-            </a:r>
-            <a:endParaRPr lang="en-US" sz="3600" dirty="0" smtClean="0">
-              <a:cs typeface="+mj-cs"/>
-            </a:endParaRPr>
+              <a:t> to share bandwidth effectively?</a:t>
+            </a:r>
           </a:p>
         </p:txBody>
       </p:sp>
@@ -19404,11 +18231,8 @@
               <a:rPr lang="en-US" sz="3600" dirty="0" smtClean="0">
                 <a:cs typeface="+mj-cs"/>
               </a:rPr>
-              <a:t>What properties does a good bandwidth-sharing system have?</a:t>
-            </a:r>
-            <a:endParaRPr lang="en-US" sz="3600" dirty="0" smtClean="0">
-              <a:cs typeface="+mj-cs"/>
-            </a:endParaRPr>
+              <a:t>Properties of a good bandwidth-sharing system?</a:t>
+            </a:r>
           </a:p>
         </p:txBody>
       </p:sp>
@@ -19662,9 +18486,6 @@
               </a:rPr>
               <a:t>High-level requirements: we want…</a:t>
             </a:r>
-            <a:endParaRPr lang="en-US" sz="3600" dirty="0" smtClean="0">
-              <a:cs typeface="+mj-cs"/>
-            </a:endParaRPr>
           </a:p>
         </p:txBody>
       </p:sp>
@@ -19778,32 +18599,6 @@
               </a:rPr>
               <a:t> (PSP)</a:t>
             </a:r>
-          </a:p>
-          <a:p>
-            <a:pPr lvl="1" eaLnBrk="1" hangingPunct="1">
-              <a:defRPr/>
-            </a:pPr>
-            <a:r>
-              <a:rPr lang="en-US" sz="2400" dirty="0" err="1" smtClean="0">
-                <a:cs typeface="+mn-cs"/>
-              </a:rPr>
-              <a:t>A.Lazar</a:t>
-            </a:r>
-            <a:r>
-              <a:rPr lang="en-US" sz="2400" dirty="0" smtClean="0">
-                <a:cs typeface="+mn-cs"/>
-              </a:rPr>
-              <a:t>, </a:t>
-            </a:r>
-            <a:r>
-              <a:rPr lang="en-US" sz="2400" dirty="0" err="1" smtClean="0">
-                <a:cs typeface="+mn-cs"/>
-              </a:rPr>
-              <a:t>N.Semret</a:t>
-            </a:r>
-            <a:endParaRPr lang="en-US" sz="2400" dirty="0">
-              <a:cs typeface="+mn-cs"/>
-            </a:endParaRPr>
           </a:p>
         </p:txBody>
       </p:sp>
